--- a/Presentation/An Improved ID3 algorithm for clinical data Classification review 2.pptx
+++ b/Presentation/An Improved ID3 algorithm for clinical data Classification review 2.pptx
@@ -4,8 +4,11 @@
   <p:sldMasterIdLst>
     <p:sldMasterId id="2147483648" r:id="rId1"/>
   </p:sldMasterIdLst>
+  <p:notesMasterIdLst>
+    <p:notesMasterId r:id="rId17"/>
+  </p:notesMasterIdLst>
   <p:sldIdLst>
-    <p:sldId id="271" r:id="rId2"/>
+    <p:sldId id="276" r:id="rId2"/>
     <p:sldId id="257" r:id="rId3"/>
     <p:sldId id="258" r:id="rId4"/>
     <p:sldId id="259" r:id="rId5"/>
@@ -124,6 +127,440 @@
     </p:ext>
   </p:extLst>
 </p:presentation>
+</file>
+
+<file path=ppt/notesMasters/notesMaster1.xml><?xml version="1.0" encoding="utf-8"?>
+<p:notesMaster xmlns:a="http://schemas.openxmlformats.org/drawingml/2006/main" xmlns:r="http://schemas.openxmlformats.org/officeDocument/2006/relationships" xmlns:p="http://schemas.openxmlformats.org/presentationml/2006/main">
+  <p:cSld>
+    <p:bg>
+      <p:bgRef idx="1001">
+        <a:schemeClr val="bg1"/>
+      </p:bgRef>
+    </p:bg>
+    <p:spTree>
+      <p:nvGrpSpPr>
+        <p:cNvPr id="1" name=""/>
+        <p:cNvGrpSpPr/>
+        <p:nvPr/>
+      </p:nvGrpSpPr>
+      <p:grpSpPr>
+        <a:xfrm>
+          <a:off x="0" y="0"/>
+          <a:ext cx="0" cy="0"/>
+          <a:chOff x="0" y="0"/>
+          <a:chExt cx="0" cy="0"/>
+        </a:xfrm>
+      </p:grpSpPr>
+      <p:sp>
+        <p:nvSpPr>
+          <p:cNvPr id="2" name="Header Placeholder 1"/>
+          <p:cNvSpPr>
+            <a:spLocks noGrp="1"/>
+          </p:cNvSpPr>
+          <p:nvPr>
+            <p:ph type="hdr" sz="quarter"/>
+          </p:nvPr>
+        </p:nvSpPr>
+        <p:spPr>
+          <a:xfrm>
+            <a:off x="0" y="0"/>
+            <a:ext cx="2971800" cy="458788"/>
+          </a:xfrm>
+          <a:prstGeom prst="rect">
+            <a:avLst/>
+          </a:prstGeom>
+        </p:spPr>
+        <p:txBody>
+          <a:bodyPr vert="horz" lIns="91440" tIns="45720" rIns="91440" bIns="45720" rtlCol="0"/>
+          <a:lstStyle>
+            <a:lvl1pPr algn="l">
+              <a:defRPr sz="1200"/>
+            </a:lvl1pPr>
+          </a:lstStyle>
+          <a:p>
+            <a:endParaRPr lang="en-US"/>
+          </a:p>
+        </p:txBody>
+      </p:sp>
+      <p:sp>
+        <p:nvSpPr>
+          <p:cNvPr id="3" name="Date Placeholder 2"/>
+          <p:cNvSpPr>
+            <a:spLocks noGrp="1"/>
+          </p:cNvSpPr>
+          <p:nvPr>
+            <p:ph type="dt" idx="1"/>
+          </p:nvPr>
+        </p:nvSpPr>
+        <p:spPr>
+          <a:xfrm>
+            <a:off x="3884613" y="0"/>
+            <a:ext cx="2971800" cy="458788"/>
+          </a:xfrm>
+          <a:prstGeom prst="rect">
+            <a:avLst/>
+          </a:prstGeom>
+        </p:spPr>
+        <p:txBody>
+          <a:bodyPr vert="horz" lIns="91440" tIns="45720" rIns="91440" bIns="45720" rtlCol="0"/>
+          <a:lstStyle>
+            <a:lvl1pPr algn="r">
+              <a:defRPr sz="1200"/>
+            </a:lvl1pPr>
+          </a:lstStyle>
+          <a:p>
+            <a:fld id="{C8A711C9-AD18-404F-91E2-FCDB8C733ED8}" type="datetimeFigureOut">
+              <a:rPr lang="en-US" smtClean="0"/>
+              <a:t>01-Oct-18</a:t>
+            </a:fld>
+            <a:endParaRPr lang="en-US"/>
+          </a:p>
+        </p:txBody>
+      </p:sp>
+      <p:sp>
+        <p:nvSpPr>
+          <p:cNvPr id="4" name="Slide Image Placeholder 3"/>
+          <p:cNvSpPr>
+            <a:spLocks noGrp="1" noRot="1" noChangeAspect="1"/>
+          </p:cNvSpPr>
+          <p:nvPr>
+            <p:ph type="sldImg" idx="2"/>
+          </p:nvPr>
+        </p:nvSpPr>
+        <p:spPr>
+          <a:xfrm>
+            <a:off x="685800" y="1143000"/>
+            <a:ext cx="5486400" cy="3086100"/>
+          </a:xfrm>
+          <a:prstGeom prst="rect">
+            <a:avLst/>
+          </a:prstGeom>
+          <a:noFill/>
+          <a:ln w="12700">
+            <a:solidFill>
+              <a:prstClr val="black"/>
+            </a:solidFill>
+          </a:ln>
+        </p:spPr>
+        <p:txBody>
+          <a:bodyPr vert="horz" lIns="91440" tIns="45720" rIns="91440" bIns="45720" rtlCol="0" anchor="ctr"/>
+          <a:lstStyle/>
+          <a:p>
+            <a:endParaRPr lang="en-US"/>
+          </a:p>
+        </p:txBody>
+      </p:sp>
+      <p:sp>
+        <p:nvSpPr>
+          <p:cNvPr id="5" name="Notes Placeholder 4"/>
+          <p:cNvSpPr>
+            <a:spLocks noGrp="1"/>
+          </p:cNvSpPr>
+          <p:nvPr>
+            <p:ph type="body" sz="quarter" idx="3"/>
+          </p:nvPr>
+        </p:nvSpPr>
+        <p:spPr>
+          <a:xfrm>
+            <a:off x="685800" y="4400550"/>
+            <a:ext cx="5486400" cy="3600450"/>
+          </a:xfrm>
+          <a:prstGeom prst="rect">
+            <a:avLst/>
+          </a:prstGeom>
+        </p:spPr>
+        <p:txBody>
+          <a:bodyPr vert="horz" lIns="91440" tIns="45720" rIns="91440" bIns="45720" rtlCol="0"/>
+          <a:lstStyle/>
+          <a:p>
+            <a:pPr lvl="0"/>
+            <a:r>
+              <a:rPr lang="en-US" smtClean="0"/>
+              <a:t>Click to edit Master text styles</a:t>
+            </a:r>
+          </a:p>
+          <a:p>
+            <a:pPr lvl="1"/>
+            <a:r>
+              <a:rPr lang="en-US" smtClean="0"/>
+              <a:t>Second level</a:t>
+            </a:r>
+          </a:p>
+          <a:p>
+            <a:pPr lvl="2"/>
+            <a:r>
+              <a:rPr lang="en-US" smtClean="0"/>
+              <a:t>Third level</a:t>
+            </a:r>
+          </a:p>
+          <a:p>
+            <a:pPr lvl="3"/>
+            <a:r>
+              <a:rPr lang="en-US" smtClean="0"/>
+              <a:t>Fourth level</a:t>
+            </a:r>
+          </a:p>
+          <a:p>
+            <a:pPr lvl="4"/>
+            <a:r>
+              <a:rPr lang="en-US" smtClean="0"/>
+              <a:t>Fifth level</a:t>
+            </a:r>
+            <a:endParaRPr lang="en-US"/>
+          </a:p>
+        </p:txBody>
+      </p:sp>
+      <p:sp>
+        <p:nvSpPr>
+          <p:cNvPr id="6" name="Footer Placeholder 5"/>
+          <p:cNvSpPr>
+            <a:spLocks noGrp="1"/>
+          </p:cNvSpPr>
+          <p:nvPr>
+            <p:ph type="ftr" sz="quarter" idx="4"/>
+          </p:nvPr>
+        </p:nvSpPr>
+        <p:spPr>
+          <a:xfrm>
+            <a:off x="0" y="8685213"/>
+            <a:ext cx="2971800" cy="458787"/>
+          </a:xfrm>
+          <a:prstGeom prst="rect">
+            <a:avLst/>
+          </a:prstGeom>
+        </p:spPr>
+        <p:txBody>
+          <a:bodyPr vert="horz" lIns="91440" tIns="45720" rIns="91440" bIns="45720" rtlCol="0" anchor="b"/>
+          <a:lstStyle>
+            <a:lvl1pPr algn="l">
+              <a:defRPr sz="1200"/>
+            </a:lvl1pPr>
+          </a:lstStyle>
+          <a:p>
+            <a:endParaRPr lang="en-US"/>
+          </a:p>
+        </p:txBody>
+      </p:sp>
+      <p:sp>
+        <p:nvSpPr>
+          <p:cNvPr id="7" name="Slide Number Placeholder 6"/>
+          <p:cNvSpPr>
+            <a:spLocks noGrp="1"/>
+          </p:cNvSpPr>
+          <p:nvPr>
+            <p:ph type="sldNum" sz="quarter" idx="5"/>
+          </p:nvPr>
+        </p:nvSpPr>
+        <p:spPr>
+          <a:xfrm>
+            <a:off x="3884613" y="8685213"/>
+            <a:ext cx="2971800" cy="458787"/>
+          </a:xfrm>
+          <a:prstGeom prst="rect">
+            <a:avLst/>
+          </a:prstGeom>
+        </p:spPr>
+        <p:txBody>
+          <a:bodyPr vert="horz" lIns="91440" tIns="45720" rIns="91440" bIns="45720" rtlCol="0" anchor="b"/>
+          <a:lstStyle>
+            <a:lvl1pPr algn="r">
+              <a:defRPr sz="1200"/>
+            </a:lvl1pPr>
+          </a:lstStyle>
+          <a:p>
+            <a:fld id="{747C6832-FEFC-4BE7-893A-B514BA3AAB5A}" type="slidenum">
+              <a:rPr lang="en-US" smtClean="0"/>
+              <a:t>‹#›</a:t>
+            </a:fld>
+            <a:endParaRPr lang="en-US"/>
+          </a:p>
+        </p:txBody>
+      </p:sp>
+    </p:spTree>
+    <p:extLst>
+      <p:ext uri="{BB962C8B-B14F-4D97-AF65-F5344CB8AC3E}">
+        <p14:creationId xmlns:p14="http://schemas.microsoft.com/office/powerpoint/2010/main" val="2875073666"/>
+      </p:ext>
+    </p:extLst>
+  </p:cSld>
+  <p:clrMap bg1="lt1" tx1="dk1" bg2="lt2" tx2="dk2" accent1="accent1" accent2="accent2" accent3="accent3" accent4="accent4" accent5="accent5" accent6="accent6" hlink="hlink" folHlink="folHlink"/>
+  <p:notesStyle>
+    <a:lvl1pPr marL="0" algn="l" defTabSz="914400" rtl="0" eaLnBrk="1" latinLnBrk="0" hangingPunct="1">
+      <a:defRPr sz="1200" kern="1200">
+        <a:solidFill>
+          <a:schemeClr val="tx1"/>
+        </a:solidFill>
+        <a:latin typeface="+mn-lt"/>
+        <a:ea typeface="+mn-ea"/>
+        <a:cs typeface="+mn-cs"/>
+      </a:defRPr>
+    </a:lvl1pPr>
+    <a:lvl2pPr marL="457200" algn="l" defTabSz="914400" rtl="0" eaLnBrk="1" latinLnBrk="0" hangingPunct="1">
+      <a:defRPr sz="1200" kern="1200">
+        <a:solidFill>
+          <a:schemeClr val="tx1"/>
+        </a:solidFill>
+        <a:latin typeface="+mn-lt"/>
+        <a:ea typeface="+mn-ea"/>
+        <a:cs typeface="+mn-cs"/>
+      </a:defRPr>
+    </a:lvl2pPr>
+    <a:lvl3pPr marL="914400" algn="l" defTabSz="914400" rtl="0" eaLnBrk="1" latinLnBrk="0" hangingPunct="1">
+      <a:defRPr sz="1200" kern="1200">
+        <a:solidFill>
+          <a:schemeClr val="tx1"/>
+        </a:solidFill>
+        <a:latin typeface="+mn-lt"/>
+        <a:ea typeface="+mn-ea"/>
+        <a:cs typeface="+mn-cs"/>
+      </a:defRPr>
+    </a:lvl3pPr>
+    <a:lvl4pPr marL="1371600" algn="l" defTabSz="914400" rtl="0" eaLnBrk="1" latinLnBrk="0" hangingPunct="1">
+      <a:defRPr sz="1200" kern="1200">
+        <a:solidFill>
+          <a:schemeClr val="tx1"/>
+        </a:solidFill>
+        <a:latin typeface="+mn-lt"/>
+        <a:ea typeface="+mn-ea"/>
+        <a:cs typeface="+mn-cs"/>
+      </a:defRPr>
+    </a:lvl4pPr>
+    <a:lvl5pPr marL="1828800" algn="l" defTabSz="914400" rtl="0" eaLnBrk="1" latinLnBrk="0" hangingPunct="1">
+      <a:defRPr sz="1200" kern="1200">
+        <a:solidFill>
+          <a:schemeClr val="tx1"/>
+        </a:solidFill>
+        <a:latin typeface="+mn-lt"/>
+        <a:ea typeface="+mn-ea"/>
+        <a:cs typeface="+mn-cs"/>
+      </a:defRPr>
+    </a:lvl5pPr>
+    <a:lvl6pPr marL="2286000" algn="l" defTabSz="914400" rtl="0" eaLnBrk="1" latinLnBrk="0" hangingPunct="1">
+      <a:defRPr sz="1200" kern="1200">
+        <a:solidFill>
+          <a:schemeClr val="tx1"/>
+        </a:solidFill>
+        <a:latin typeface="+mn-lt"/>
+        <a:ea typeface="+mn-ea"/>
+        <a:cs typeface="+mn-cs"/>
+      </a:defRPr>
+    </a:lvl6pPr>
+    <a:lvl7pPr marL="2743200" algn="l" defTabSz="914400" rtl="0" eaLnBrk="1" latinLnBrk="0" hangingPunct="1">
+      <a:defRPr sz="1200" kern="1200">
+        <a:solidFill>
+          <a:schemeClr val="tx1"/>
+        </a:solidFill>
+        <a:latin typeface="+mn-lt"/>
+        <a:ea typeface="+mn-ea"/>
+        <a:cs typeface="+mn-cs"/>
+      </a:defRPr>
+    </a:lvl7pPr>
+    <a:lvl8pPr marL="3200400" algn="l" defTabSz="914400" rtl="0" eaLnBrk="1" latinLnBrk="0" hangingPunct="1">
+      <a:defRPr sz="1200" kern="1200">
+        <a:solidFill>
+          <a:schemeClr val="tx1"/>
+        </a:solidFill>
+        <a:latin typeface="+mn-lt"/>
+        <a:ea typeface="+mn-ea"/>
+        <a:cs typeface="+mn-cs"/>
+      </a:defRPr>
+    </a:lvl8pPr>
+    <a:lvl9pPr marL="3657600" algn="l" defTabSz="914400" rtl="0" eaLnBrk="1" latinLnBrk="0" hangingPunct="1">
+      <a:defRPr sz="1200" kern="1200">
+        <a:solidFill>
+          <a:schemeClr val="tx1"/>
+        </a:solidFill>
+        <a:latin typeface="+mn-lt"/>
+        <a:ea typeface="+mn-ea"/>
+        <a:cs typeface="+mn-cs"/>
+      </a:defRPr>
+    </a:lvl9pPr>
+  </p:notesStyle>
+</p:notesMaster>
+</file>
+
+<file path=ppt/notesSlides/notesSlide1.xml><?xml version="1.0" encoding="utf-8"?>
+<p:notes xmlns:a="http://schemas.openxmlformats.org/drawingml/2006/main" xmlns:r="http://schemas.openxmlformats.org/officeDocument/2006/relationships" xmlns:p="http://schemas.openxmlformats.org/presentationml/2006/main">
+  <p:cSld>
+    <p:spTree>
+      <p:nvGrpSpPr>
+        <p:cNvPr id="1" name=""/>
+        <p:cNvGrpSpPr/>
+        <p:nvPr/>
+      </p:nvGrpSpPr>
+      <p:grpSpPr>
+        <a:xfrm>
+          <a:off x="0" y="0"/>
+          <a:ext cx="0" cy="0"/>
+          <a:chOff x="0" y="0"/>
+          <a:chExt cx="0" cy="0"/>
+        </a:xfrm>
+      </p:grpSpPr>
+      <p:sp>
+        <p:nvSpPr>
+          <p:cNvPr id="2" name="Slide Image Placeholder 1"/>
+          <p:cNvSpPr>
+            <a:spLocks noGrp="1" noRot="1" noChangeAspect="1"/>
+          </p:cNvSpPr>
+          <p:nvPr>
+            <p:ph type="sldImg"/>
+          </p:nvPr>
+        </p:nvSpPr>
+        <p:spPr/>
+      </p:sp>
+      <p:sp>
+        <p:nvSpPr>
+          <p:cNvPr id="3" name="Notes Placeholder 2"/>
+          <p:cNvSpPr>
+            <a:spLocks noGrp="1"/>
+          </p:cNvSpPr>
+          <p:nvPr>
+            <p:ph type="body" idx="1"/>
+          </p:nvPr>
+        </p:nvSpPr>
+        <p:spPr/>
+        <p:txBody>
+          <a:bodyPr/>
+          <a:lstStyle/>
+          <a:p>
+            <a:endParaRPr lang="en-US"/>
+          </a:p>
+        </p:txBody>
+      </p:sp>
+      <p:sp>
+        <p:nvSpPr>
+          <p:cNvPr id="4" name="Slide Number Placeholder 3"/>
+          <p:cNvSpPr>
+            <a:spLocks noGrp="1"/>
+          </p:cNvSpPr>
+          <p:nvPr>
+            <p:ph type="sldNum" sz="quarter" idx="10"/>
+          </p:nvPr>
+        </p:nvSpPr>
+        <p:spPr/>
+        <p:txBody>
+          <a:bodyPr/>
+          <a:lstStyle/>
+          <a:p>
+            <a:fld id="{747C6832-FEFC-4BE7-893A-B514BA3AAB5A}" type="slidenum">
+              <a:rPr lang="en-US" smtClean="0"/>
+              <a:t>1</a:t>
+            </a:fld>
+            <a:endParaRPr lang="en-US"/>
+          </a:p>
+        </p:txBody>
+      </p:sp>
+    </p:spTree>
+    <p:extLst>
+      <p:ext uri="{BB962C8B-B14F-4D97-AF65-F5344CB8AC3E}">
+        <p14:creationId xmlns:p14="http://schemas.microsoft.com/office/powerpoint/2010/main" val="278831086"/>
+      </p:ext>
+    </p:extLst>
+  </p:cSld>
+  <p:clrMapOvr>
+    <a:masterClrMapping/>
+  </p:clrMapOvr>
+</p:notes>
 </file>
 
 <file path=ppt/slideLayouts/slideLayout1.xml><?xml version="1.0" encoding="utf-8"?>
@@ -846,9 +1283,8 @@
           <a:bodyPr/>
           <a:lstStyle/>
           <a:p>
-            <a:fld id="{B61BEF0D-F0BB-DE4B-95CE-6DB70DBA9567}" type="datetimeFigureOut">
-              <a:rPr lang="en-US" dirty="0"/>
-              <a:pPr/>
+            <a:fld id="{DB2F17F7-07D6-4185-8F84-8AF7F951F086}" type="datetime1">
+              <a:rPr lang="en-US" smtClean="0"/>
               <a:t>01-Oct-18</a:t>
             </a:fld>
             <a:endParaRPr lang="en-US" dirty="0"/>
@@ -870,6 +1306,10 @@
           <a:bodyPr/>
           <a:lstStyle/>
           <a:p>
+            <a:r>
+              <a:rPr lang="en-US" smtClean="0"/>
+              <a:t>N.L.Veerendra,K.Gangadhar,P.R.Surya</a:t>
+            </a:r>
             <a:endParaRPr lang="en-US" dirty="0"/>
           </a:p>
         </p:txBody>
@@ -1094,9 +1534,8 @@
           <a:bodyPr/>
           <a:lstStyle/>
           <a:p>
-            <a:fld id="{B61BEF0D-F0BB-DE4B-95CE-6DB70DBA9567}" type="datetimeFigureOut">
-              <a:rPr lang="en-US" dirty="0"/>
-              <a:pPr/>
+            <a:fld id="{20B3AC27-5185-4DDF-8C07-AC2891D1BF12}" type="datetime1">
+              <a:rPr lang="en-US" smtClean="0"/>
               <a:t>01-Oct-18</a:t>
             </a:fld>
             <a:endParaRPr lang="en-US" dirty="0"/>
@@ -1118,6 +1557,10 @@
           <a:bodyPr/>
           <a:lstStyle/>
           <a:p>
+            <a:r>
+              <a:rPr lang="en-US" smtClean="0"/>
+              <a:t>N.L.Veerendra,K.Gangadhar,P.R.Surya</a:t>
+            </a:r>
             <a:endParaRPr lang="en-US" dirty="0"/>
           </a:p>
         </p:txBody>
@@ -1405,9 +1848,8 @@
           <a:bodyPr/>
           <a:lstStyle/>
           <a:p>
-            <a:fld id="{B61BEF0D-F0BB-DE4B-95CE-6DB70DBA9567}" type="datetimeFigureOut">
-              <a:rPr lang="en-US" dirty="0"/>
-              <a:pPr/>
+            <a:fld id="{9A6B3E1F-CA2D-47D9-AA7F-503F53AEB517}" type="datetime1">
+              <a:rPr lang="en-US" smtClean="0"/>
               <a:t>01-Oct-18</a:t>
             </a:fld>
             <a:endParaRPr lang="en-US" dirty="0"/>
@@ -1429,6 +1871,10 @@
           <a:bodyPr/>
           <a:lstStyle/>
           <a:p>
+            <a:r>
+              <a:rPr lang="en-US" smtClean="0"/>
+              <a:t>N.L.Veerendra,K.Gangadhar,P.R.Surya</a:t>
+            </a:r>
             <a:endParaRPr lang="en-US" dirty="0"/>
           </a:p>
         </p:txBody>
@@ -1743,9 +2189,8 @@
           <a:bodyPr/>
           <a:lstStyle/>
           <a:p>
-            <a:fld id="{B61BEF0D-F0BB-DE4B-95CE-6DB70DBA9567}" type="datetimeFigureOut">
-              <a:rPr lang="en-US" dirty="0"/>
-              <a:pPr/>
+            <a:fld id="{2DC99206-137C-41A4-8183-D210A1E7FF63}" type="datetime1">
+              <a:rPr lang="en-US" smtClean="0"/>
               <a:t>01-Oct-18</a:t>
             </a:fld>
             <a:endParaRPr lang="en-US" dirty="0"/>
@@ -1767,6 +2212,10 @@
           <a:bodyPr/>
           <a:lstStyle/>
           <a:p>
+            <a:r>
+              <a:rPr lang="en-US" smtClean="0"/>
+              <a:t>N.L.Veerendra,K.Gangadhar,P.R.Surya</a:t>
+            </a:r>
             <a:endParaRPr lang="en-US" dirty="0"/>
           </a:p>
         </p:txBody>
@@ -2054,9 +2503,8 @@
           <a:bodyPr/>
           <a:lstStyle/>
           <a:p>
-            <a:fld id="{B61BEF0D-F0BB-DE4B-95CE-6DB70DBA9567}" type="datetimeFigureOut">
-              <a:rPr lang="en-US" dirty="0"/>
-              <a:pPr/>
+            <a:fld id="{D734FC8D-3B27-4F72-ABBC-A60B062AC5F3}" type="datetime1">
+              <a:rPr lang="en-US" smtClean="0"/>
               <a:t>01-Oct-18</a:t>
             </a:fld>
             <a:endParaRPr lang="en-US" dirty="0"/>
@@ -2078,6 +2526,10 @@
           <a:bodyPr/>
           <a:lstStyle/>
           <a:p>
+            <a:r>
+              <a:rPr lang="en-US" smtClean="0"/>
+              <a:t>N.L.Veerendra,K.Gangadhar,P.R.Surya</a:t>
+            </a:r>
             <a:endParaRPr lang="en-US" dirty="0"/>
           </a:p>
         </p:txBody>
@@ -2444,9 +2896,8 @@
           <a:bodyPr/>
           <a:lstStyle/>
           <a:p>
-            <a:fld id="{B61BEF0D-F0BB-DE4B-95CE-6DB70DBA9567}" type="datetimeFigureOut">
-              <a:rPr lang="en-US" dirty="0"/>
-              <a:pPr/>
+            <a:fld id="{251B2D4A-68A0-4933-9097-5D56CC6AEBB7}" type="datetime1">
+              <a:rPr lang="en-US" smtClean="0"/>
               <a:t>01-Oct-18</a:t>
             </a:fld>
             <a:endParaRPr lang="en-US" dirty="0"/>
@@ -2468,6 +2919,10 @@
           <a:bodyPr/>
           <a:lstStyle/>
           <a:p>
+            <a:r>
+              <a:rPr lang="en-US" smtClean="0"/>
+              <a:t>N.L.Veerendra,K.Gangadhar,P.R.Surya</a:t>
+            </a:r>
             <a:endParaRPr lang="en-US" dirty="0"/>
           </a:p>
         </p:txBody>
@@ -2611,8 +3066,8 @@
           <a:bodyPr/>
           <a:lstStyle/>
           <a:p>
-            <a:fld id="{55C6B4A9-1611-4792-9094-5F34BCA07E0B}" type="datetimeFigureOut">
-              <a:rPr lang="en-US" dirty="0"/>
+            <a:fld id="{CDE8C479-884F-4995-BDD1-4FD03E4C4D3B}" type="datetime1">
+              <a:rPr lang="en-US" smtClean="0"/>
               <a:t>01-Oct-18</a:t>
             </a:fld>
             <a:endParaRPr lang="en-US" dirty="0"/>
@@ -2634,6 +3089,10 @@
           <a:bodyPr/>
           <a:lstStyle/>
           <a:p>
+            <a:r>
+              <a:rPr lang="en-US" smtClean="0"/>
+              <a:t>N.L.Veerendra,K.Gangadhar,P.R.Surya</a:t>
+            </a:r>
             <a:endParaRPr lang="en-US" dirty="0"/>
           </a:p>
         </p:txBody>
@@ -2786,9 +3245,8 @@
           <a:bodyPr/>
           <a:lstStyle/>
           <a:p>
-            <a:fld id="{B61BEF0D-F0BB-DE4B-95CE-6DB70DBA9567}" type="datetimeFigureOut">
-              <a:rPr lang="en-US" dirty="0"/>
-              <a:pPr/>
+            <a:fld id="{5A09BE80-88DE-4766-9745-EE2DFB61D267}" type="datetime1">
+              <a:rPr lang="en-US" smtClean="0"/>
               <a:t>01-Oct-18</a:t>
             </a:fld>
             <a:endParaRPr lang="en-US" dirty="0"/>
@@ -2810,6 +3268,10 @@
           <a:bodyPr/>
           <a:lstStyle/>
           <a:p>
+            <a:r>
+              <a:rPr lang="en-US" smtClean="0"/>
+              <a:t>N.L.Veerendra,K.Gangadhar,P.R.Surya</a:t>
+            </a:r>
             <a:endParaRPr lang="en-US" dirty="0"/>
           </a:p>
         </p:txBody>
@@ -2959,9 +3421,8 @@
           <a:bodyPr/>
           <a:lstStyle/>
           <a:p>
-            <a:fld id="{B61BEF0D-F0BB-DE4B-95CE-6DB70DBA9567}" type="datetimeFigureOut">
-              <a:rPr lang="en-US" dirty="0"/>
-              <a:pPr/>
+            <a:fld id="{B78C9E5B-9911-4E91-9769-2D25D8811588}" type="datetime1">
+              <a:rPr lang="en-US" smtClean="0"/>
               <a:t>01-Oct-18</a:t>
             </a:fld>
             <a:endParaRPr lang="en-US" dirty="0"/>
@@ -2983,6 +3444,10 @@
           <a:bodyPr/>
           <a:lstStyle/>
           <a:p>
+            <a:r>
+              <a:rPr lang="en-US" smtClean="0"/>
+              <a:t>N.L.Veerendra,K.Gangadhar,P.R.Surya</a:t>
+            </a:r>
             <a:endParaRPr lang="en-US" dirty="0"/>
           </a:p>
         </p:txBody>
@@ -3203,9 +3668,8 @@
           <a:bodyPr/>
           <a:lstStyle/>
           <a:p>
-            <a:fld id="{B61BEF0D-F0BB-DE4B-95CE-6DB70DBA9567}" type="datetimeFigureOut">
-              <a:rPr lang="en-US" dirty="0"/>
-              <a:pPr/>
+            <a:fld id="{39B7BF6E-0CA8-433D-A453-3F2D08909A4D}" type="datetime1">
+              <a:rPr lang="en-US" smtClean="0"/>
               <a:t>01-Oct-18</a:t>
             </a:fld>
             <a:endParaRPr lang="en-US" dirty="0"/>
@@ -3227,6 +3691,10 @@
           <a:bodyPr/>
           <a:lstStyle/>
           <a:p>
+            <a:r>
+              <a:rPr lang="en-US" smtClean="0"/>
+              <a:t>N.L.Veerendra,K.Gangadhar,P.R.Surya</a:t>
+            </a:r>
             <a:endParaRPr lang="en-US" dirty="0"/>
           </a:p>
         </p:txBody>
@@ -3432,8 +3900,8 @@
           <a:bodyPr/>
           <a:lstStyle/>
           <a:p>
-            <a:fld id="{EB712588-04B1-427B-82EE-E8DB90309F08}" type="datetimeFigureOut">
-              <a:rPr lang="en-US" dirty="0"/>
+            <a:fld id="{EDCCE2CF-6971-4F62-92E3-A0D6AE346723}" type="datetime1">
+              <a:rPr lang="en-US" smtClean="0"/>
               <a:t>01-Oct-18</a:t>
             </a:fld>
             <a:endParaRPr lang="en-US" dirty="0"/>
@@ -3455,6 +3923,10 @@
           <a:bodyPr/>
           <a:lstStyle/>
           <a:p>
+            <a:r>
+              <a:rPr lang="en-US" smtClean="0"/>
+              <a:t>N.L.Veerendra,K.Gangadhar,P.R.Surya</a:t>
+            </a:r>
             <a:endParaRPr lang="en-US" dirty="0"/>
           </a:p>
         </p:txBody>
@@ -3801,9 +4273,8 @@
           <a:bodyPr/>
           <a:lstStyle/>
           <a:p>
-            <a:fld id="{B61BEF0D-F0BB-DE4B-95CE-6DB70DBA9567}" type="datetimeFigureOut">
-              <a:rPr lang="en-US" dirty="0"/>
-              <a:pPr/>
+            <a:fld id="{36AF2767-4429-4B7B-A71B-6DCF402252E6}" type="datetime1">
+              <a:rPr lang="en-US" smtClean="0"/>
               <a:t>01-Oct-18</a:t>
             </a:fld>
             <a:endParaRPr lang="en-US" dirty="0"/>
@@ -3825,6 +4296,10 @@
           <a:bodyPr/>
           <a:lstStyle/>
           <a:p>
+            <a:r>
+              <a:rPr lang="en-US" smtClean="0"/>
+              <a:t>N.L.Veerendra,K.Gangadhar,P.R.Surya</a:t>
+            </a:r>
             <a:endParaRPr lang="en-US" dirty="0"/>
           </a:p>
         </p:txBody>
@@ -3921,9 +4396,8 @@
           <a:bodyPr/>
           <a:lstStyle/>
           <a:p>
-            <a:fld id="{B61BEF0D-F0BB-DE4B-95CE-6DB70DBA9567}" type="datetimeFigureOut">
-              <a:rPr lang="en-US" dirty="0"/>
-              <a:pPr/>
+            <a:fld id="{E9D60C16-DA40-4441-9BA0-B2CC9C6EACF4}" type="datetime1">
+              <a:rPr lang="en-US" smtClean="0"/>
               <a:t>01-Oct-18</a:t>
             </a:fld>
             <a:endParaRPr lang="en-US" dirty="0"/>
@@ -3945,6 +4419,10 @@
           <a:bodyPr/>
           <a:lstStyle/>
           <a:p>
+            <a:r>
+              <a:rPr lang="en-US" smtClean="0"/>
+              <a:t>N.L.Veerendra,K.Gangadhar,P.R.Surya</a:t>
+            </a:r>
             <a:endParaRPr lang="en-US" dirty="0"/>
           </a:p>
         </p:txBody>
@@ -4013,9 +4491,8 @@
           <a:bodyPr/>
           <a:lstStyle/>
           <a:p>
-            <a:fld id="{B61BEF0D-F0BB-DE4B-95CE-6DB70DBA9567}" type="datetimeFigureOut">
-              <a:rPr lang="en-US" dirty="0"/>
-              <a:pPr/>
+            <a:fld id="{36BD6568-3496-4FFB-8DA0-E7E52B8987D2}" type="datetime1">
+              <a:rPr lang="en-US" smtClean="0"/>
               <a:t>01-Oct-18</a:t>
             </a:fld>
             <a:endParaRPr lang="en-US" dirty="0"/>
@@ -4037,6 +4514,10 @@
           <a:bodyPr/>
           <a:lstStyle/>
           <a:p>
+            <a:r>
+              <a:rPr lang="en-US" smtClean="0"/>
+              <a:t>N.L.Veerendra,K.Gangadhar,P.R.Surya</a:t>
+            </a:r>
             <a:endParaRPr lang="en-US" dirty="0"/>
           </a:p>
         </p:txBody>
@@ -4265,8 +4746,8 @@
           <a:bodyPr/>
           <a:lstStyle/>
           <a:p>
-            <a:fld id="{42A54C80-263E-416B-A8E0-580EDEADCBDC}" type="datetimeFigureOut">
-              <a:rPr lang="en-US" dirty="0"/>
+            <a:fld id="{9F7746F7-3258-4B0C-8B12-442FFB6A7367}" type="datetime1">
+              <a:rPr lang="en-US" smtClean="0"/>
               <a:t>01-Oct-18</a:t>
             </a:fld>
             <a:endParaRPr lang="en-US" dirty="0"/>
@@ -4288,6 +4769,10 @@
           <a:bodyPr/>
           <a:lstStyle/>
           <a:p>
+            <a:r>
+              <a:rPr lang="en-US" smtClean="0"/>
+              <a:t>N.L.Veerendra,K.Gangadhar,P.R.Surya</a:t>
+            </a:r>
             <a:endParaRPr lang="en-US" dirty="0"/>
           </a:p>
         </p:txBody>
@@ -4523,9 +5008,8 @@
           <a:bodyPr/>
           <a:lstStyle/>
           <a:p>
-            <a:fld id="{B61BEF0D-F0BB-DE4B-95CE-6DB70DBA9567}" type="datetimeFigureOut">
-              <a:rPr lang="en-US" dirty="0"/>
-              <a:pPr/>
+            <a:fld id="{8BCAD996-9C7C-4DA8-82DE-5D8834FA62D5}" type="datetime1">
+              <a:rPr lang="en-US" smtClean="0"/>
               <a:t>01-Oct-18</a:t>
             </a:fld>
             <a:endParaRPr lang="en-US" dirty="0"/>
@@ -4547,6 +5031,10 @@
           <a:bodyPr/>
           <a:lstStyle/>
           <a:p>
+            <a:r>
+              <a:rPr lang="en-US" smtClean="0"/>
+              <a:t>N.L.Veerendra,K.Gangadhar,P.R.Surya</a:t>
+            </a:r>
             <a:endParaRPr lang="en-US" dirty="0"/>
           </a:p>
         </p:txBody>
@@ -5263,9 +5751,8 @@
             </a:lvl1pPr>
           </a:lstStyle>
           <a:p>
-            <a:fld id="{B61BEF0D-F0BB-DE4B-95CE-6DB70DBA9567}" type="datetimeFigureOut">
-              <a:rPr lang="en-US" dirty="0"/>
-              <a:pPr/>
+            <a:fld id="{68DA0E6E-0477-40AC-9D4F-67FDFF984CE6}" type="datetime1">
+              <a:rPr lang="en-US" smtClean="0"/>
               <a:t>01-Oct-18</a:t>
             </a:fld>
             <a:endParaRPr lang="en-US" dirty="0"/>
@@ -5305,6 +5792,10 @@
             </a:lvl1pPr>
           </a:lstStyle>
           <a:p>
+            <a:r>
+              <a:rPr lang="en-US" smtClean="0"/>
+              <a:t>N.L.Veerendra,K.Gangadhar,P.R.Surya</a:t>
+            </a:r>
             <a:endParaRPr lang="en-US" dirty="0"/>
           </a:p>
         </p:txBody>
@@ -5370,6 +5861,7 @@
     <p:sldLayoutId id="2147483667" r:id="rId15"/>
     <p:sldLayoutId id="2147483659" r:id="rId16"/>
   </p:sldLayoutIdLst>
+  <p:hf hdr="0"/>
   <p:txStyles>
     <p:titleStyle>
       <a:lvl1pPr algn="l" defTabSz="457200" rtl="0" eaLnBrk="1" latinLnBrk="0" hangingPunct="1">
@@ -5793,17 +6285,267 @@
             <a:spLocks noGrp="1"/>
           </p:cNvSpPr>
           <p:nvPr>
-            <p:ph type="title"/>
-          </p:nvPr>
-        </p:nvSpPr>
-        <p:spPr/>
-        <p:txBody>
-          <a:bodyPr/>
-          <a:lstStyle/>
+            <p:ph type="ctrTitle"/>
+          </p:nvPr>
+        </p:nvSpPr>
+        <p:spPr>
+          <a:xfrm>
+            <a:off x="1524000" y="1137664"/>
+            <a:ext cx="9144000" cy="1651398"/>
+          </a:xfrm>
+        </p:spPr>
+        <p:txBody>
+          <a:bodyPr>
+            <a:normAutofit/>
+          </a:bodyPr>
+          <a:lstStyle/>
+          <a:p>
+            <a:pPr algn="l"/>
+            <a:r>
+              <a:rPr lang="en-US" sz="4400" dirty="0" smtClean="0"/>
+              <a:t>An improved Id3 algorithm for clinical data classification</a:t>
+            </a:r>
+            <a:endParaRPr lang="en-US" sz="4400" dirty="0"/>
+          </a:p>
+        </p:txBody>
+      </p:sp>
+      <p:sp>
+        <p:nvSpPr>
+          <p:cNvPr id="8" name="Date Placeholder 7"/>
+          <p:cNvSpPr>
+            <a:spLocks noGrp="1"/>
+          </p:cNvSpPr>
+          <p:nvPr>
+            <p:ph type="dt" sz="half" idx="10"/>
+          </p:nvPr>
+        </p:nvSpPr>
+        <p:spPr/>
+        <p:txBody>
+          <a:bodyPr/>
+          <a:lstStyle/>
+          <a:p>
+            <a:fld id="{FC3B0A6D-FB69-49E6-9384-7B86D7C138E5}" type="datetime1">
+              <a:rPr lang="en-US" smtClean="0"/>
+              <a:t>01-Oct-18</a:t>
+            </a:fld>
+            <a:endParaRPr lang="en-US"/>
+          </a:p>
+        </p:txBody>
+      </p:sp>
+      <p:sp>
+        <p:nvSpPr>
+          <p:cNvPr id="6" name="Footer Placeholder 5"/>
+          <p:cNvSpPr>
+            <a:spLocks noGrp="1"/>
+          </p:cNvSpPr>
+          <p:nvPr>
+            <p:ph type="ftr" sz="quarter" idx="11"/>
+          </p:nvPr>
+        </p:nvSpPr>
+        <p:spPr/>
+        <p:txBody>
+          <a:bodyPr/>
+          <a:lstStyle/>
+          <a:p>
+            <a:r>
+              <a:rPr lang="en-US" dirty="0" err="1" smtClean="0"/>
+              <a:t>N.L.Veerendra,K.Gangadhar,P.R.Surya</a:t>
+            </a:r>
+            <a:endParaRPr lang="en-US" dirty="0"/>
+          </a:p>
+        </p:txBody>
+      </p:sp>
+      <p:sp>
+        <p:nvSpPr>
+          <p:cNvPr id="7" name="Slide Number Placeholder 6"/>
+          <p:cNvSpPr>
+            <a:spLocks noGrp="1"/>
+          </p:cNvSpPr>
+          <p:nvPr>
+            <p:ph type="sldNum" sz="quarter" idx="12"/>
+          </p:nvPr>
+        </p:nvSpPr>
+        <p:spPr/>
+        <p:txBody>
+          <a:bodyPr/>
+          <a:lstStyle/>
+          <a:p>
+            <a:fld id="{163CD270-FDF0-4541-94DA-1D5672B9A707}" type="slidenum">
+              <a:rPr lang="en-US" smtClean="0"/>
+              <a:t>1</a:t>
+            </a:fld>
+            <a:endParaRPr lang="en-US"/>
+          </a:p>
+        </p:txBody>
+      </p:sp>
+      <p:sp>
+        <p:nvSpPr>
+          <p:cNvPr id="4" name="TextBox 3"/>
+          <p:cNvSpPr txBox="1"/>
+          <p:nvPr/>
+        </p:nvSpPr>
+        <p:spPr>
+          <a:xfrm>
+            <a:off x="8359163" y="5424907"/>
+            <a:ext cx="2728632" cy="523220"/>
+          </a:xfrm>
+          <a:prstGeom prst="rect">
+            <a:avLst/>
+          </a:prstGeom>
+          <a:noFill/>
+        </p:spPr>
+        <p:txBody>
+          <a:bodyPr wrap="none" rtlCol="0">
+            <a:spAutoFit/>
+          </a:bodyPr>
+          <a:lstStyle/>
+          <a:p>
+            <a:r>
+              <a:rPr lang="en-US" sz="2400" dirty="0" smtClean="0"/>
+              <a:t>Smt. </a:t>
+            </a:r>
+            <a:r>
+              <a:rPr lang="en-US" sz="2800" dirty="0" err="1" smtClean="0"/>
+              <a:t>Kamakshi.S</a:t>
+            </a:r>
+            <a:endParaRPr lang="en-US" sz="2800" dirty="0"/>
+          </a:p>
+        </p:txBody>
+      </p:sp>
+      <p:sp>
+        <p:nvSpPr>
+          <p:cNvPr id="5" name="TextBox 4"/>
+          <p:cNvSpPr txBox="1"/>
+          <p:nvPr/>
+        </p:nvSpPr>
+        <p:spPr>
+          <a:xfrm>
+            <a:off x="1524000" y="5024797"/>
+            <a:ext cx="3066107" cy="923330"/>
+          </a:xfrm>
+          <a:prstGeom prst="rect">
+            <a:avLst/>
+          </a:prstGeom>
+          <a:noFill/>
+        </p:spPr>
+        <p:txBody>
+          <a:bodyPr wrap="square" rtlCol="0">
+            <a:spAutoFit/>
+          </a:bodyPr>
+          <a:lstStyle/>
+          <a:p>
+            <a:r>
+              <a:rPr lang="en-US" sz="1800" kern="1200" dirty="0" smtClean="0">
+                <a:solidFill>
+                  <a:schemeClr val="tx1"/>
+                </a:solidFill>
+                <a:latin typeface="+mn-lt"/>
+                <a:ea typeface="+mn-ea"/>
+                <a:cs typeface="+mn-cs"/>
+              </a:rPr>
+              <a:t>119003228  </a:t>
+            </a:r>
+            <a:r>
+              <a:rPr lang="en-US" sz="1800" kern="1200" dirty="0" err="1" smtClean="0">
+                <a:solidFill>
+                  <a:schemeClr val="tx1"/>
+                </a:solidFill>
+                <a:latin typeface="+mn-lt"/>
+                <a:ea typeface="+mn-ea"/>
+                <a:cs typeface="+mn-cs"/>
+              </a:rPr>
+              <a:t>N.L.Veerendra</a:t>
+            </a:r>
+            <a:endParaRPr lang="en-US" sz="1800" kern="1200" dirty="0" smtClean="0">
+              <a:solidFill>
+                <a:schemeClr val="tx1"/>
+              </a:solidFill>
+              <a:latin typeface="+mn-lt"/>
+              <a:ea typeface="+mn-ea"/>
+              <a:cs typeface="+mn-cs"/>
+            </a:endParaRPr>
+          </a:p>
           <a:p>
             <a:r>
               <a:rPr lang="en-US" dirty="0" smtClean="0"/>
-              <a:t>An Improved ID3 algorithm for clinical data Classification</a:t>
+              <a:t>119003080  </a:t>
+            </a:r>
+            <a:r>
+              <a:rPr lang="en-US" dirty="0" err="1" smtClean="0"/>
+              <a:t>K.Gangadhar</a:t>
+            </a:r>
+            <a:endParaRPr lang="en-US" dirty="0" smtClean="0"/>
+          </a:p>
+          <a:p>
+            <a:r>
+              <a:rPr lang="en-US" sz="1800" kern="1200" dirty="0" smtClean="0">
+                <a:solidFill>
+                  <a:schemeClr val="tx1"/>
+                </a:solidFill>
+                <a:latin typeface="+mn-lt"/>
+                <a:ea typeface="+mn-ea"/>
+                <a:cs typeface="+mn-cs"/>
+              </a:rPr>
+              <a:t>119003107  </a:t>
+            </a:r>
+            <a:r>
+              <a:rPr lang="en-US" sz="1800" kern="1200" dirty="0" err="1" smtClean="0">
+                <a:solidFill>
+                  <a:schemeClr val="tx1"/>
+                </a:solidFill>
+                <a:latin typeface="+mn-lt"/>
+                <a:ea typeface="+mn-ea"/>
+                <a:cs typeface="+mn-cs"/>
+              </a:rPr>
+              <a:t>P.Rohith</a:t>
+            </a:r>
+            <a:r>
+              <a:rPr lang="en-US" sz="1800" kern="1200" dirty="0" smtClean="0">
+                <a:solidFill>
+                  <a:schemeClr val="tx1"/>
+                </a:solidFill>
+                <a:latin typeface="+mn-lt"/>
+                <a:ea typeface="+mn-ea"/>
+                <a:cs typeface="+mn-cs"/>
+              </a:rPr>
+              <a:t> Surya</a:t>
+            </a:r>
+            <a:endParaRPr lang="en-US" sz="1800" kern="1200" dirty="0">
+              <a:solidFill>
+                <a:schemeClr val="tx1"/>
+              </a:solidFill>
+              <a:latin typeface="+mn-lt"/>
+              <a:ea typeface="+mn-ea"/>
+              <a:cs typeface="+mn-cs"/>
+            </a:endParaRPr>
+          </a:p>
+        </p:txBody>
+      </p:sp>
+      <p:sp>
+        <p:nvSpPr>
+          <p:cNvPr id="11" name="TextBox 10"/>
+          <p:cNvSpPr txBox="1"/>
+          <p:nvPr/>
+        </p:nvSpPr>
+        <p:spPr>
+          <a:xfrm>
+            <a:off x="8906256" y="2789062"/>
+            <a:ext cx="1761744" cy="369333"/>
+          </a:xfrm>
+          <a:prstGeom prst="rect">
+            <a:avLst/>
+          </a:prstGeom>
+          <a:noFill/>
+        </p:spPr>
+        <p:txBody>
+          <a:bodyPr wrap="square" rtlCol="0">
+            <a:spAutoFit/>
+          </a:bodyPr>
+          <a:lstStyle/>
+          <a:p>
+            <a:r>
+              <a:rPr lang="en-US" dirty="0" smtClean="0"/>
+              <a:t>-Data Mining</a:t>
             </a:r>
             <a:endParaRPr lang="en-US" dirty="0"/>
           </a:p>
@@ -5812,13 +6554,20 @@
     </p:spTree>
     <p:extLst>
       <p:ext uri="{BB962C8B-B14F-4D97-AF65-F5344CB8AC3E}">
-        <p14:creationId xmlns:p14="http://schemas.microsoft.com/office/powerpoint/2010/main" val="2315738832"/>
+        <p14:creationId xmlns:p14="http://schemas.microsoft.com/office/powerpoint/2010/main" val="1651514132"/>
       </p:ext>
     </p:extLst>
   </p:cSld>
   <p:clrMapOvr>
     <a:masterClrMapping/>
   </p:clrMapOvr>
+  <p:timing>
+    <p:tnLst>
+      <p:par>
+        <p:cTn id="1" dur="indefinite" restart="never" nodeType="tmRoot"/>
+      </p:par>
+    </p:tnLst>
+  </p:timing>
 </p:sld>
 </file>
 
@@ -5990,6 +6739,76 @@
           </a:p>
         </p:txBody>
       </p:sp>
+      <p:sp>
+        <p:nvSpPr>
+          <p:cNvPr id="4" name="Date Placeholder 3"/>
+          <p:cNvSpPr>
+            <a:spLocks noGrp="1"/>
+          </p:cNvSpPr>
+          <p:nvPr>
+            <p:ph type="dt" sz="half" idx="10"/>
+          </p:nvPr>
+        </p:nvSpPr>
+        <p:spPr/>
+        <p:txBody>
+          <a:bodyPr/>
+          <a:lstStyle/>
+          <a:p>
+            <a:fld id="{5D40B31B-4D55-4E72-AABC-25146CAE0474}" type="datetime1">
+              <a:rPr lang="en-US" smtClean="0"/>
+              <a:t>01-Oct-18</a:t>
+            </a:fld>
+            <a:endParaRPr lang="en-US" dirty="0"/>
+          </a:p>
+        </p:txBody>
+      </p:sp>
+      <p:sp>
+        <p:nvSpPr>
+          <p:cNvPr id="5" name="Footer Placeholder 4"/>
+          <p:cNvSpPr>
+            <a:spLocks noGrp="1"/>
+          </p:cNvSpPr>
+          <p:nvPr>
+            <p:ph type="ftr" sz="quarter" idx="11"/>
+          </p:nvPr>
+        </p:nvSpPr>
+        <p:spPr/>
+        <p:txBody>
+          <a:bodyPr/>
+          <a:lstStyle/>
+          <a:p>
+            <a:r>
+              <a:rPr lang="en-US" smtClean="0"/>
+              <a:t>N.L.Veerendra,K.Gangadhar,P.R.Surya</a:t>
+            </a:r>
+            <a:endParaRPr lang="en-US" dirty="0"/>
+          </a:p>
+        </p:txBody>
+      </p:sp>
+      <p:sp>
+        <p:nvSpPr>
+          <p:cNvPr id="6" name="Slide Number Placeholder 5"/>
+          <p:cNvSpPr>
+            <a:spLocks noGrp="1"/>
+          </p:cNvSpPr>
+          <p:nvPr>
+            <p:ph type="sldNum" sz="quarter" idx="12"/>
+          </p:nvPr>
+        </p:nvSpPr>
+        <p:spPr/>
+        <p:txBody>
+          <a:bodyPr/>
+          <a:lstStyle/>
+          <a:p>
+            <a:fld id="{D57F1E4F-1CFF-5643-939E-217C01CDF565}" type="slidenum">
+              <a:rPr lang="en-US" smtClean="0"/>
+              <a:pPr/>
+              <a:t>10</a:t>
+            </a:fld>
+            <a:endParaRPr lang="en-US" dirty="0"/>
+          </a:p>
+        </p:txBody>
+      </p:sp>
     </p:spTree>
     <p:extLst>
       <p:ext uri="{BB962C8B-B14F-4D97-AF65-F5344CB8AC3E}">
@@ -6000,6 +6819,13 @@
   <p:clrMapOvr>
     <a:masterClrMapping/>
   </p:clrMapOvr>
+  <p:timing>
+    <p:tnLst>
+      <p:par>
+        <p:cTn id="1" dur="indefinite" restart="never" nodeType="tmRoot"/>
+      </p:par>
+    </p:tnLst>
+  </p:timing>
 </p:sld>
 </file>
 
@@ -6072,6 +6898,76 @@
           </a:p>
         </p:txBody>
       </p:sp>
+      <p:sp>
+        <p:nvSpPr>
+          <p:cNvPr id="4" name="Date Placeholder 3"/>
+          <p:cNvSpPr>
+            <a:spLocks noGrp="1"/>
+          </p:cNvSpPr>
+          <p:nvPr>
+            <p:ph type="dt" sz="half" idx="10"/>
+          </p:nvPr>
+        </p:nvSpPr>
+        <p:spPr/>
+        <p:txBody>
+          <a:bodyPr/>
+          <a:lstStyle/>
+          <a:p>
+            <a:fld id="{6B9F9718-1110-450C-8E0B-6E6B943BAA4E}" type="datetime1">
+              <a:rPr lang="en-US" smtClean="0"/>
+              <a:t>01-Oct-18</a:t>
+            </a:fld>
+            <a:endParaRPr lang="en-US" dirty="0"/>
+          </a:p>
+        </p:txBody>
+      </p:sp>
+      <p:sp>
+        <p:nvSpPr>
+          <p:cNvPr id="5" name="Footer Placeholder 4"/>
+          <p:cNvSpPr>
+            <a:spLocks noGrp="1"/>
+          </p:cNvSpPr>
+          <p:nvPr>
+            <p:ph type="ftr" sz="quarter" idx="11"/>
+          </p:nvPr>
+        </p:nvSpPr>
+        <p:spPr/>
+        <p:txBody>
+          <a:bodyPr/>
+          <a:lstStyle/>
+          <a:p>
+            <a:r>
+              <a:rPr lang="en-US" smtClean="0"/>
+              <a:t>N.L.Veerendra,K.Gangadhar,P.R.Surya</a:t>
+            </a:r>
+            <a:endParaRPr lang="en-US" dirty="0"/>
+          </a:p>
+        </p:txBody>
+      </p:sp>
+      <p:sp>
+        <p:nvSpPr>
+          <p:cNvPr id="6" name="Slide Number Placeholder 5"/>
+          <p:cNvSpPr>
+            <a:spLocks noGrp="1"/>
+          </p:cNvSpPr>
+          <p:nvPr>
+            <p:ph type="sldNum" sz="quarter" idx="12"/>
+          </p:nvPr>
+        </p:nvSpPr>
+        <p:spPr/>
+        <p:txBody>
+          <a:bodyPr/>
+          <a:lstStyle/>
+          <a:p>
+            <a:fld id="{D57F1E4F-1CFF-5643-939E-217C01CDF565}" type="slidenum">
+              <a:rPr lang="en-US" smtClean="0"/>
+              <a:pPr/>
+              <a:t>11</a:t>
+            </a:fld>
+            <a:endParaRPr lang="en-US" dirty="0"/>
+          </a:p>
+        </p:txBody>
+      </p:sp>
     </p:spTree>
     <p:extLst>
       <p:ext uri="{BB962C8B-B14F-4D97-AF65-F5344CB8AC3E}">
@@ -6082,6 +6978,13 @@
   <p:clrMapOvr>
     <a:masterClrMapping/>
   </p:clrMapOvr>
+  <p:timing>
+    <p:tnLst>
+      <p:par>
+        <p:cTn id="1" dur="indefinite" restart="never" nodeType="tmRoot"/>
+      </p:par>
+    </p:tnLst>
+  </p:timing>
 </p:sld>
 </file>
 
@@ -6202,6 +7105,76 @@
           </a:p>
         </p:txBody>
       </p:sp>
+      <p:sp>
+        <p:nvSpPr>
+          <p:cNvPr id="4" name="Date Placeholder 3"/>
+          <p:cNvSpPr>
+            <a:spLocks noGrp="1"/>
+          </p:cNvSpPr>
+          <p:nvPr>
+            <p:ph type="dt" sz="half" idx="10"/>
+          </p:nvPr>
+        </p:nvSpPr>
+        <p:spPr/>
+        <p:txBody>
+          <a:bodyPr/>
+          <a:lstStyle/>
+          <a:p>
+            <a:fld id="{35BCF46C-157F-4E78-8B2A-29985E122C8A}" type="datetime1">
+              <a:rPr lang="en-US" smtClean="0"/>
+              <a:t>01-Oct-18</a:t>
+            </a:fld>
+            <a:endParaRPr lang="en-US" dirty="0"/>
+          </a:p>
+        </p:txBody>
+      </p:sp>
+      <p:sp>
+        <p:nvSpPr>
+          <p:cNvPr id="5" name="Footer Placeholder 4"/>
+          <p:cNvSpPr>
+            <a:spLocks noGrp="1"/>
+          </p:cNvSpPr>
+          <p:nvPr>
+            <p:ph type="ftr" sz="quarter" idx="11"/>
+          </p:nvPr>
+        </p:nvSpPr>
+        <p:spPr/>
+        <p:txBody>
+          <a:bodyPr/>
+          <a:lstStyle/>
+          <a:p>
+            <a:r>
+              <a:rPr lang="en-US" smtClean="0"/>
+              <a:t>N.L.Veerendra,K.Gangadhar,P.R.Surya</a:t>
+            </a:r>
+            <a:endParaRPr lang="en-US" dirty="0"/>
+          </a:p>
+        </p:txBody>
+      </p:sp>
+      <p:sp>
+        <p:nvSpPr>
+          <p:cNvPr id="6" name="Slide Number Placeholder 5"/>
+          <p:cNvSpPr>
+            <a:spLocks noGrp="1"/>
+          </p:cNvSpPr>
+          <p:nvPr>
+            <p:ph type="sldNum" sz="quarter" idx="12"/>
+          </p:nvPr>
+        </p:nvSpPr>
+        <p:spPr/>
+        <p:txBody>
+          <a:bodyPr/>
+          <a:lstStyle/>
+          <a:p>
+            <a:fld id="{D57F1E4F-1CFF-5643-939E-217C01CDF565}" type="slidenum">
+              <a:rPr lang="en-US" smtClean="0"/>
+              <a:pPr/>
+              <a:t>12</a:t>
+            </a:fld>
+            <a:endParaRPr lang="en-US" dirty="0"/>
+          </a:p>
+        </p:txBody>
+      </p:sp>
     </p:spTree>
     <p:extLst>
       <p:ext uri="{BB962C8B-B14F-4D97-AF65-F5344CB8AC3E}">
@@ -6212,6 +7185,13 @@
   <p:clrMapOvr>
     <a:masterClrMapping/>
   </p:clrMapOvr>
+  <p:timing>
+    <p:tnLst>
+      <p:par>
+        <p:cTn id="1" dur="indefinite" restart="never" nodeType="tmRoot"/>
+      </p:par>
+    </p:tnLst>
+  </p:timing>
 </p:sld>
 </file>
 
@@ -6405,6 +7385,76 @@
           </a:p>
         </p:txBody>
       </p:sp>
+      <p:sp>
+        <p:nvSpPr>
+          <p:cNvPr id="2" name="Date Placeholder 1"/>
+          <p:cNvSpPr>
+            <a:spLocks noGrp="1"/>
+          </p:cNvSpPr>
+          <p:nvPr>
+            <p:ph type="dt" sz="half" idx="10"/>
+          </p:nvPr>
+        </p:nvSpPr>
+        <p:spPr/>
+        <p:txBody>
+          <a:bodyPr/>
+          <a:lstStyle/>
+          <a:p>
+            <a:fld id="{4C40746A-48F1-4284-8982-D56CCB81236D}" type="datetime1">
+              <a:rPr lang="en-US" smtClean="0"/>
+              <a:t>01-Oct-18</a:t>
+            </a:fld>
+            <a:endParaRPr lang="en-US" dirty="0"/>
+          </a:p>
+        </p:txBody>
+      </p:sp>
+      <p:sp>
+        <p:nvSpPr>
+          <p:cNvPr id="3" name="Footer Placeholder 2"/>
+          <p:cNvSpPr>
+            <a:spLocks noGrp="1"/>
+          </p:cNvSpPr>
+          <p:nvPr>
+            <p:ph type="ftr" sz="quarter" idx="11"/>
+          </p:nvPr>
+        </p:nvSpPr>
+        <p:spPr/>
+        <p:txBody>
+          <a:bodyPr/>
+          <a:lstStyle/>
+          <a:p>
+            <a:r>
+              <a:rPr lang="en-US" smtClean="0"/>
+              <a:t>N.L.Veerendra,K.Gangadhar,P.R.Surya</a:t>
+            </a:r>
+            <a:endParaRPr lang="en-US" dirty="0"/>
+          </a:p>
+        </p:txBody>
+      </p:sp>
+      <p:sp>
+        <p:nvSpPr>
+          <p:cNvPr id="5" name="Slide Number Placeholder 4"/>
+          <p:cNvSpPr>
+            <a:spLocks noGrp="1"/>
+          </p:cNvSpPr>
+          <p:nvPr>
+            <p:ph type="sldNum" sz="quarter" idx="12"/>
+          </p:nvPr>
+        </p:nvSpPr>
+        <p:spPr/>
+        <p:txBody>
+          <a:bodyPr/>
+          <a:lstStyle/>
+          <a:p>
+            <a:fld id="{D57F1E4F-1CFF-5643-939E-217C01CDF565}" type="slidenum">
+              <a:rPr lang="en-US" smtClean="0"/>
+              <a:pPr/>
+              <a:t>13</a:t>
+            </a:fld>
+            <a:endParaRPr lang="en-US" dirty="0"/>
+          </a:p>
+        </p:txBody>
+      </p:sp>
     </p:spTree>
     <p:extLst>
       <p:ext uri="{BB962C8B-B14F-4D97-AF65-F5344CB8AC3E}">
@@ -6415,6 +7465,13 @@
   <p:clrMapOvr>
     <a:masterClrMapping/>
   </p:clrMapOvr>
+  <p:timing>
+    <p:tnLst>
+      <p:par>
+        <p:cTn id="1" dur="indefinite" restart="never" nodeType="tmRoot"/>
+      </p:par>
+    </p:tnLst>
+  </p:timing>
 </p:sld>
 </file>
 
@@ -6558,6 +7615,76 @@
           </a:p>
         </p:txBody>
       </p:sp>
+      <p:sp>
+        <p:nvSpPr>
+          <p:cNvPr id="4" name="Date Placeholder 3"/>
+          <p:cNvSpPr>
+            <a:spLocks noGrp="1"/>
+          </p:cNvSpPr>
+          <p:nvPr>
+            <p:ph type="dt" sz="half" idx="10"/>
+          </p:nvPr>
+        </p:nvSpPr>
+        <p:spPr/>
+        <p:txBody>
+          <a:bodyPr/>
+          <a:lstStyle/>
+          <a:p>
+            <a:fld id="{1C1D02BA-5353-4E17-B320-FCFFA8A08ACE}" type="datetime1">
+              <a:rPr lang="en-US" smtClean="0"/>
+              <a:t>01-Oct-18</a:t>
+            </a:fld>
+            <a:endParaRPr lang="en-US" dirty="0"/>
+          </a:p>
+        </p:txBody>
+      </p:sp>
+      <p:sp>
+        <p:nvSpPr>
+          <p:cNvPr id="5" name="Footer Placeholder 4"/>
+          <p:cNvSpPr>
+            <a:spLocks noGrp="1"/>
+          </p:cNvSpPr>
+          <p:nvPr>
+            <p:ph type="ftr" sz="quarter" idx="11"/>
+          </p:nvPr>
+        </p:nvSpPr>
+        <p:spPr/>
+        <p:txBody>
+          <a:bodyPr/>
+          <a:lstStyle/>
+          <a:p>
+            <a:r>
+              <a:rPr lang="en-US" smtClean="0"/>
+              <a:t>N.L.Veerendra,K.Gangadhar,P.R.Surya</a:t>
+            </a:r>
+            <a:endParaRPr lang="en-US" dirty="0"/>
+          </a:p>
+        </p:txBody>
+      </p:sp>
+      <p:sp>
+        <p:nvSpPr>
+          <p:cNvPr id="6" name="Slide Number Placeholder 5"/>
+          <p:cNvSpPr>
+            <a:spLocks noGrp="1"/>
+          </p:cNvSpPr>
+          <p:nvPr>
+            <p:ph type="sldNum" sz="quarter" idx="12"/>
+          </p:nvPr>
+        </p:nvSpPr>
+        <p:spPr/>
+        <p:txBody>
+          <a:bodyPr/>
+          <a:lstStyle/>
+          <a:p>
+            <a:fld id="{D57F1E4F-1CFF-5643-939E-217C01CDF565}" type="slidenum">
+              <a:rPr lang="en-US" smtClean="0"/>
+              <a:pPr/>
+              <a:t>14</a:t>
+            </a:fld>
+            <a:endParaRPr lang="en-US" dirty="0"/>
+          </a:p>
+        </p:txBody>
+      </p:sp>
     </p:spTree>
     <p:extLst>
       <p:ext uri="{BB962C8B-B14F-4D97-AF65-F5344CB8AC3E}">
@@ -6568,6 +7695,13 @@
   <p:clrMapOvr>
     <a:masterClrMapping/>
   </p:clrMapOvr>
+  <p:timing>
+    <p:tnLst>
+      <p:par>
+        <p:cTn id="1" dur="indefinite" restart="never" nodeType="tmRoot"/>
+      </p:par>
+    </p:tnLst>
+  </p:timing>
 </p:sld>
 </file>
 
@@ -6596,7 +7730,7 @@
         </p:nvSpPr>
         <p:spPr>
           <a:xfrm>
-            <a:off x="353568" y="722573"/>
+            <a:off x="353568" y="314614"/>
             <a:ext cx="6096000" cy="5909310"/>
           </a:xfrm>
           <a:prstGeom prst="rect">
@@ -6763,7 +7897,7 @@
         </p:nvSpPr>
         <p:spPr>
           <a:xfrm>
-            <a:off x="6449568" y="722573"/>
+            <a:off x="6449568" y="406947"/>
             <a:ext cx="6096000" cy="2862322"/>
           </a:xfrm>
           <a:prstGeom prst="rect">
@@ -6843,6 +7977,76 @@
               <a:rPr lang="en-US" dirty="0" smtClean="0"/>
               <a:t>.</a:t>
             </a:r>
+            <a:endParaRPr lang="en-US" dirty="0"/>
+          </a:p>
+        </p:txBody>
+      </p:sp>
+      <p:sp>
+        <p:nvSpPr>
+          <p:cNvPr id="2" name="Date Placeholder 1"/>
+          <p:cNvSpPr>
+            <a:spLocks noGrp="1"/>
+          </p:cNvSpPr>
+          <p:nvPr>
+            <p:ph type="dt" sz="half" idx="10"/>
+          </p:nvPr>
+        </p:nvSpPr>
+        <p:spPr/>
+        <p:txBody>
+          <a:bodyPr/>
+          <a:lstStyle/>
+          <a:p>
+            <a:fld id="{B7B44163-5722-4190-ACDA-961848DD85F3}" type="datetime1">
+              <a:rPr lang="en-US" smtClean="0"/>
+              <a:t>01-Oct-18</a:t>
+            </a:fld>
+            <a:endParaRPr lang="en-US" dirty="0"/>
+          </a:p>
+        </p:txBody>
+      </p:sp>
+      <p:sp>
+        <p:nvSpPr>
+          <p:cNvPr id="3" name="Footer Placeholder 2"/>
+          <p:cNvSpPr>
+            <a:spLocks noGrp="1"/>
+          </p:cNvSpPr>
+          <p:nvPr>
+            <p:ph type="ftr" sz="quarter" idx="11"/>
+          </p:nvPr>
+        </p:nvSpPr>
+        <p:spPr/>
+        <p:txBody>
+          <a:bodyPr/>
+          <a:lstStyle/>
+          <a:p>
+            <a:r>
+              <a:rPr lang="en-US" smtClean="0"/>
+              <a:t>N.L.Veerendra,K.Gangadhar,P.R.Surya</a:t>
+            </a:r>
+            <a:endParaRPr lang="en-US" dirty="0"/>
+          </a:p>
+        </p:txBody>
+      </p:sp>
+      <p:sp>
+        <p:nvSpPr>
+          <p:cNvPr id="6" name="Slide Number Placeholder 5"/>
+          <p:cNvSpPr>
+            <a:spLocks noGrp="1"/>
+          </p:cNvSpPr>
+          <p:nvPr>
+            <p:ph type="sldNum" sz="quarter" idx="12"/>
+          </p:nvPr>
+        </p:nvSpPr>
+        <p:spPr/>
+        <p:txBody>
+          <a:bodyPr/>
+          <a:lstStyle/>
+          <a:p>
+            <a:fld id="{D57F1E4F-1CFF-5643-939E-217C01CDF565}" type="slidenum">
+              <a:rPr lang="en-US" smtClean="0"/>
+              <a:pPr/>
+              <a:t>15</a:t>
+            </a:fld>
             <a:endParaRPr lang="en-US" dirty="0"/>
           </a:p>
         </p:txBody>
@@ -6857,6 +8061,13 @@
   <p:clrMapOvr>
     <a:masterClrMapping/>
   </p:clrMapOvr>
+  <p:timing>
+    <p:tnLst>
+      <p:par>
+        <p:cTn id="1" dur="indefinite" restart="never" nodeType="tmRoot"/>
+      </p:par>
+    </p:tnLst>
+  </p:timing>
 </p:sld>
 </file>
 
@@ -6956,6 +8167,76 @@
           </a:p>
         </p:txBody>
       </p:sp>
+      <p:sp>
+        <p:nvSpPr>
+          <p:cNvPr id="2" name="Date Placeholder 1"/>
+          <p:cNvSpPr>
+            <a:spLocks noGrp="1"/>
+          </p:cNvSpPr>
+          <p:nvPr>
+            <p:ph type="dt" sz="half" idx="10"/>
+          </p:nvPr>
+        </p:nvSpPr>
+        <p:spPr/>
+        <p:txBody>
+          <a:bodyPr/>
+          <a:lstStyle/>
+          <a:p>
+            <a:fld id="{4229E2EF-E87E-4995-9129-267E44F9BD13}" type="datetime1">
+              <a:rPr lang="en-US" smtClean="0"/>
+              <a:t>01-Oct-18</a:t>
+            </a:fld>
+            <a:endParaRPr lang="en-US" dirty="0"/>
+          </a:p>
+        </p:txBody>
+      </p:sp>
+      <p:sp>
+        <p:nvSpPr>
+          <p:cNvPr id="4" name="Footer Placeholder 3"/>
+          <p:cNvSpPr>
+            <a:spLocks noGrp="1"/>
+          </p:cNvSpPr>
+          <p:nvPr>
+            <p:ph type="ftr" sz="quarter" idx="11"/>
+          </p:nvPr>
+        </p:nvSpPr>
+        <p:spPr/>
+        <p:txBody>
+          <a:bodyPr/>
+          <a:lstStyle/>
+          <a:p>
+            <a:r>
+              <a:rPr lang="en-US" smtClean="0"/>
+              <a:t>N.L.Veerendra,K.Gangadhar,P.R.Surya</a:t>
+            </a:r>
+            <a:endParaRPr lang="en-US" dirty="0"/>
+          </a:p>
+        </p:txBody>
+      </p:sp>
+      <p:sp>
+        <p:nvSpPr>
+          <p:cNvPr id="5" name="Slide Number Placeholder 4"/>
+          <p:cNvSpPr>
+            <a:spLocks noGrp="1"/>
+          </p:cNvSpPr>
+          <p:nvPr>
+            <p:ph type="sldNum" sz="quarter" idx="12"/>
+          </p:nvPr>
+        </p:nvSpPr>
+        <p:spPr/>
+        <p:txBody>
+          <a:bodyPr/>
+          <a:lstStyle/>
+          <a:p>
+            <a:fld id="{D57F1E4F-1CFF-5643-939E-217C01CDF565}" type="slidenum">
+              <a:rPr lang="en-US" smtClean="0"/>
+              <a:pPr/>
+              <a:t>2</a:t>
+            </a:fld>
+            <a:endParaRPr lang="en-US" dirty="0"/>
+          </a:p>
+        </p:txBody>
+      </p:sp>
     </p:spTree>
     <p:extLst>
       <p:ext uri="{BB962C8B-B14F-4D97-AF65-F5344CB8AC3E}">
@@ -6966,6 +8247,13 @@
   <p:clrMapOvr>
     <a:masterClrMapping/>
   </p:clrMapOvr>
+  <p:timing>
+    <p:tnLst>
+      <p:par>
+        <p:cTn id="1" dur="indefinite" restart="never" nodeType="tmRoot"/>
+      </p:par>
+    </p:tnLst>
+  </p:timing>
 </p:sld>
 </file>
 
@@ -7036,6 +8324,76 @@
           </a:p>
         </p:txBody>
       </p:sp>
+      <p:sp>
+        <p:nvSpPr>
+          <p:cNvPr id="4" name="Date Placeholder 3"/>
+          <p:cNvSpPr>
+            <a:spLocks noGrp="1"/>
+          </p:cNvSpPr>
+          <p:nvPr>
+            <p:ph type="dt" sz="half" idx="10"/>
+          </p:nvPr>
+        </p:nvSpPr>
+        <p:spPr/>
+        <p:txBody>
+          <a:bodyPr/>
+          <a:lstStyle/>
+          <a:p>
+            <a:fld id="{1DD27C67-E37A-48C0-8A47-AC5A78BD2C7B}" type="datetime1">
+              <a:rPr lang="en-US" smtClean="0"/>
+              <a:t>01-Oct-18</a:t>
+            </a:fld>
+            <a:endParaRPr lang="en-US" dirty="0"/>
+          </a:p>
+        </p:txBody>
+      </p:sp>
+      <p:sp>
+        <p:nvSpPr>
+          <p:cNvPr id="5" name="Footer Placeholder 4"/>
+          <p:cNvSpPr>
+            <a:spLocks noGrp="1"/>
+          </p:cNvSpPr>
+          <p:nvPr>
+            <p:ph type="ftr" sz="quarter" idx="11"/>
+          </p:nvPr>
+        </p:nvSpPr>
+        <p:spPr/>
+        <p:txBody>
+          <a:bodyPr/>
+          <a:lstStyle/>
+          <a:p>
+            <a:r>
+              <a:rPr lang="en-US" smtClean="0"/>
+              <a:t>N.L.Veerendra,K.Gangadhar,P.R.Surya</a:t>
+            </a:r>
+            <a:endParaRPr lang="en-US" dirty="0"/>
+          </a:p>
+        </p:txBody>
+      </p:sp>
+      <p:sp>
+        <p:nvSpPr>
+          <p:cNvPr id="6" name="Slide Number Placeholder 5"/>
+          <p:cNvSpPr>
+            <a:spLocks noGrp="1"/>
+          </p:cNvSpPr>
+          <p:nvPr>
+            <p:ph type="sldNum" sz="quarter" idx="12"/>
+          </p:nvPr>
+        </p:nvSpPr>
+        <p:spPr/>
+        <p:txBody>
+          <a:bodyPr/>
+          <a:lstStyle/>
+          <a:p>
+            <a:fld id="{D57F1E4F-1CFF-5643-939E-217C01CDF565}" type="slidenum">
+              <a:rPr lang="en-US" smtClean="0"/>
+              <a:pPr/>
+              <a:t>3</a:t>
+            </a:fld>
+            <a:endParaRPr lang="en-US" dirty="0"/>
+          </a:p>
+        </p:txBody>
+      </p:sp>
     </p:spTree>
     <p:extLst>
       <p:ext uri="{BB962C8B-B14F-4D97-AF65-F5344CB8AC3E}">
@@ -7046,6 +8404,13 @@
   <p:clrMapOvr>
     <a:masterClrMapping/>
   </p:clrMapOvr>
+  <p:timing>
+    <p:tnLst>
+      <p:par>
+        <p:cTn id="1" dur="indefinite" restart="never" nodeType="tmRoot"/>
+      </p:par>
+    </p:tnLst>
+  </p:timing>
 </p:sld>
 </file>
 
@@ -7131,6 +8496,76 @@
           </a:p>
         </p:txBody>
       </p:sp>
+      <p:sp>
+        <p:nvSpPr>
+          <p:cNvPr id="4" name="Date Placeholder 3"/>
+          <p:cNvSpPr>
+            <a:spLocks noGrp="1"/>
+          </p:cNvSpPr>
+          <p:nvPr>
+            <p:ph type="dt" sz="half" idx="10"/>
+          </p:nvPr>
+        </p:nvSpPr>
+        <p:spPr/>
+        <p:txBody>
+          <a:bodyPr/>
+          <a:lstStyle/>
+          <a:p>
+            <a:fld id="{AA8CED5B-23D8-443D-A7DF-0AD18F970EC8}" type="datetime1">
+              <a:rPr lang="en-US" smtClean="0"/>
+              <a:t>01-Oct-18</a:t>
+            </a:fld>
+            <a:endParaRPr lang="en-US" dirty="0"/>
+          </a:p>
+        </p:txBody>
+      </p:sp>
+      <p:sp>
+        <p:nvSpPr>
+          <p:cNvPr id="5" name="Footer Placeholder 4"/>
+          <p:cNvSpPr>
+            <a:spLocks noGrp="1"/>
+          </p:cNvSpPr>
+          <p:nvPr>
+            <p:ph type="ftr" sz="quarter" idx="11"/>
+          </p:nvPr>
+        </p:nvSpPr>
+        <p:spPr/>
+        <p:txBody>
+          <a:bodyPr/>
+          <a:lstStyle/>
+          <a:p>
+            <a:r>
+              <a:rPr lang="en-US" smtClean="0"/>
+              <a:t>N.L.Veerendra,K.Gangadhar,P.R.Surya</a:t>
+            </a:r>
+            <a:endParaRPr lang="en-US" dirty="0"/>
+          </a:p>
+        </p:txBody>
+      </p:sp>
+      <p:sp>
+        <p:nvSpPr>
+          <p:cNvPr id="6" name="Slide Number Placeholder 5"/>
+          <p:cNvSpPr>
+            <a:spLocks noGrp="1"/>
+          </p:cNvSpPr>
+          <p:nvPr>
+            <p:ph type="sldNum" sz="quarter" idx="12"/>
+          </p:nvPr>
+        </p:nvSpPr>
+        <p:spPr/>
+        <p:txBody>
+          <a:bodyPr/>
+          <a:lstStyle/>
+          <a:p>
+            <a:fld id="{D57F1E4F-1CFF-5643-939E-217C01CDF565}" type="slidenum">
+              <a:rPr lang="en-US" smtClean="0"/>
+              <a:pPr/>
+              <a:t>4</a:t>
+            </a:fld>
+            <a:endParaRPr lang="en-US" dirty="0"/>
+          </a:p>
+        </p:txBody>
+      </p:sp>
     </p:spTree>
     <p:extLst>
       <p:ext uri="{BB962C8B-B14F-4D97-AF65-F5344CB8AC3E}">
@@ -7141,6 +8576,13 @@
   <p:clrMapOvr>
     <a:masterClrMapping/>
   </p:clrMapOvr>
+  <p:timing>
+    <p:tnLst>
+      <p:par>
+        <p:cTn id="1" dur="indefinite" restart="never" nodeType="tmRoot"/>
+      </p:par>
+    </p:tnLst>
+  </p:timing>
 </p:sld>
 </file>
 
@@ -7280,6 +8722,76 @@
             </a:r>
           </a:p>
           <a:p>
+            <a:endParaRPr lang="en-US" dirty="0"/>
+          </a:p>
+        </p:txBody>
+      </p:sp>
+      <p:sp>
+        <p:nvSpPr>
+          <p:cNvPr id="4" name="Date Placeholder 3"/>
+          <p:cNvSpPr>
+            <a:spLocks noGrp="1"/>
+          </p:cNvSpPr>
+          <p:nvPr>
+            <p:ph type="dt" sz="half" idx="10"/>
+          </p:nvPr>
+        </p:nvSpPr>
+        <p:spPr/>
+        <p:txBody>
+          <a:bodyPr/>
+          <a:lstStyle/>
+          <a:p>
+            <a:fld id="{9874392E-0DF8-437B-BD81-247FA1BAED2A}" type="datetime1">
+              <a:rPr lang="en-US" smtClean="0"/>
+              <a:t>01-Oct-18</a:t>
+            </a:fld>
+            <a:endParaRPr lang="en-US" dirty="0"/>
+          </a:p>
+        </p:txBody>
+      </p:sp>
+      <p:sp>
+        <p:nvSpPr>
+          <p:cNvPr id="5" name="Footer Placeholder 4"/>
+          <p:cNvSpPr>
+            <a:spLocks noGrp="1"/>
+          </p:cNvSpPr>
+          <p:nvPr>
+            <p:ph type="ftr" sz="quarter" idx="11"/>
+          </p:nvPr>
+        </p:nvSpPr>
+        <p:spPr/>
+        <p:txBody>
+          <a:bodyPr/>
+          <a:lstStyle/>
+          <a:p>
+            <a:r>
+              <a:rPr lang="en-US" smtClean="0"/>
+              <a:t>N.L.Veerendra,K.Gangadhar,P.R.Surya</a:t>
+            </a:r>
+            <a:endParaRPr lang="en-US" dirty="0"/>
+          </a:p>
+        </p:txBody>
+      </p:sp>
+      <p:sp>
+        <p:nvSpPr>
+          <p:cNvPr id="6" name="Slide Number Placeholder 5"/>
+          <p:cNvSpPr>
+            <a:spLocks noGrp="1"/>
+          </p:cNvSpPr>
+          <p:nvPr>
+            <p:ph type="sldNum" sz="quarter" idx="12"/>
+          </p:nvPr>
+        </p:nvSpPr>
+        <p:spPr/>
+        <p:txBody>
+          <a:bodyPr/>
+          <a:lstStyle/>
+          <a:p>
+            <a:fld id="{D57F1E4F-1CFF-5643-939E-217C01CDF565}" type="slidenum">
+              <a:rPr lang="en-US" smtClean="0"/>
+              <a:pPr/>
+              <a:t>5</a:t>
+            </a:fld>
             <a:endParaRPr lang="en-US" dirty="0"/>
           </a:p>
         </p:txBody>
@@ -7424,6 +8936,76 @@
           </a:p>
         </p:txBody>
       </p:sp>
+      <p:sp>
+        <p:nvSpPr>
+          <p:cNvPr id="4" name="Date Placeholder 3"/>
+          <p:cNvSpPr>
+            <a:spLocks noGrp="1"/>
+          </p:cNvSpPr>
+          <p:nvPr>
+            <p:ph type="dt" sz="half" idx="10"/>
+          </p:nvPr>
+        </p:nvSpPr>
+        <p:spPr/>
+        <p:txBody>
+          <a:bodyPr/>
+          <a:lstStyle/>
+          <a:p>
+            <a:fld id="{227B38C6-33C7-46DD-A945-EE279E663102}" type="datetime1">
+              <a:rPr lang="en-US" smtClean="0"/>
+              <a:t>01-Oct-18</a:t>
+            </a:fld>
+            <a:endParaRPr lang="en-US" dirty="0"/>
+          </a:p>
+        </p:txBody>
+      </p:sp>
+      <p:sp>
+        <p:nvSpPr>
+          <p:cNvPr id="5" name="Footer Placeholder 4"/>
+          <p:cNvSpPr>
+            <a:spLocks noGrp="1"/>
+          </p:cNvSpPr>
+          <p:nvPr>
+            <p:ph type="ftr" sz="quarter" idx="11"/>
+          </p:nvPr>
+        </p:nvSpPr>
+        <p:spPr/>
+        <p:txBody>
+          <a:bodyPr/>
+          <a:lstStyle/>
+          <a:p>
+            <a:r>
+              <a:rPr lang="en-US" smtClean="0"/>
+              <a:t>N.L.Veerendra,K.Gangadhar,P.R.Surya</a:t>
+            </a:r>
+            <a:endParaRPr lang="en-US" dirty="0"/>
+          </a:p>
+        </p:txBody>
+      </p:sp>
+      <p:sp>
+        <p:nvSpPr>
+          <p:cNvPr id="6" name="Slide Number Placeholder 5"/>
+          <p:cNvSpPr>
+            <a:spLocks noGrp="1"/>
+          </p:cNvSpPr>
+          <p:nvPr>
+            <p:ph type="sldNum" sz="quarter" idx="12"/>
+          </p:nvPr>
+        </p:nvSpPr>
+        <p:spPr/>
+        <p:txBody>
+          <a:bodyPr/>
+          <a:lstStyle/>
+          <a:p>
+            <a:fld id="{D57F1E4F-1CFF-5643-939E-217C01CDF565}" type="slidenum">
+              <a:rPr lang="en-US" smtClean="0"/>
+              <a:pPr/>
+              <a:t>6</a:t>
+            </a:fld>
+            <a:endParaRPr lang="en-US" dirty="0"/>
+          </a:p>
+        </p:txBody>
+      </p:sp>
     </p:spTree>
     <p:extLst>
       <p:ext uri="{BB962C8B-B14F-4D97-AF65-F5344CB8AC3E}">
@@ -7434,6 +9016,13 @@
   <p:clrMapOvr>
     <a:masterClrMapping/>
   </p:clrMapOvr>
+  <p:timing>
+    <p:tnLst>
+      <p:par>
+        <p:cTn id="1" dur="indefinite" restart="never" nodeType="tmRoot"/>
+      </p:par>
+    </p:tnLst>
+  </p:timing>
 </p:sld>
 </file>
 
@@ -7571,6 +9160,76 @@
             <a:endParaRPr lang="en-US" dirty="0"/>
           </a:p>
           <a:p>
+            <a:endParaRPr lang="en-US" dirty="0"/>
+          </a:p>
+        </p:txBody>
+      </p:sp>
+      <p:sp>
+        <p:nvSpPr>
+          <p:cNvPr id="4" name="Date Placeholder 3"/>
+          <p:cNvSpPr>
+            <a:spLocks noGrp="1"/>
+          </p:cNvSpPr>
+          <p:nvPr>
+            <p:ph type="dt" sz="half" idx="10"/>
+          </p:nvPr>
+        </p:nvSpPr>
+        <p:spPr/>
+        <p:txBody>
+          <a:bodyPr/>
+          <a:lstStyle/>
+          <a:p>
+            <a:fld id="{77EFBD15-D722-49F7-88F4-9D85C7DFA33A}" type="datetime1">
+              <a:rPr lang="en-US" smtClean="0"/>
+              <a:t>01-Oct-18</a:t>
+            </a:fld>
+            <a:endParaRPr lang="en-US" dirty="0"/>
+          </a:p>
+        </p:txBody>
+      </p:sp>
+      <p:sp>
+        <p:nvSpPr>
+          <p:cNvPr id="5" name="Footer Placeholder 4"/>
+          <p:cNvSpPr>
+            <a:spLocks noGrp="1"/>
+          </p:cNvSpPr>
+          <p:nvPr>
+            <p:ph type="ftr" sz="quarter" idx="11"/>
+          </p:nvPr>
+        </p:nvSpPr>
+        <p:spPr/>
+        <p:txBody>
+          <a:bodyPr/>
+          <a:lstStyle/>
+          <a:p>
+            <a:r>
+              <a:rPr lang="en-US" smtClean="0"/>
+              <a:t>N.L.Veerendra,K.Gangadhar,P.R.Surya</a:t>
+            </a:r>
+            <a:endParaRPr lang="en-US" dirty="0"/>
+          </a:p>
+        </p:txBody>
+      </p:sp>
+      <p:sp>
+        <p:nvSpPr>
+          <p:cNvPr id="6" name="Slide Number Placeholder 5"/>
+          <p:cNvSpPr>
+            <a:spLocks noGrp="1"/>
+          </p:cNvSpPr>
+          <p:nvPr>
+            <p:ph type="sldNum" sz="quarter" idx="12"/>
+          </p:nvPr>
+        </p:nvSpPr>
+        <p:spPr/>
+        <p:txBody>
+          <a:bodyPr/>
+          <a:lstStyle/>
+          <a:p>
+            <a:fld id="{D57F1E4F-1CFF-5643-939E-217C01CDF565}" type="slidenum">
+              <a:rPr lang="en-US" smtClean="0"/>
+              <a:pPr/>
+              <a:t>7</a:t>
+            </a:fld>
             <a:endParaRPr lang="en-US" dirty="0"/>
           </a:p>
         </p:txBody>
@@ -7669,6 +9328,76 @@
           </a:p>
         </p:txBody>
       </p:sp>
+      <p:sp>
+        <p:nvSpPr>
+          <p:cNvPr id="4" name="Date Placeholder 3"/>
+          <p:cNvSpPr>
+            <a:spLocks noGrp="1"/>
+          </p:cNvSpPr>
+          <p:nvPr>
+            <p:ph type="dt" sz="half" idx="10"/>
+          </p:nvPr>
+        </p:nvSpPr>
+        <p:spPr/>
+        <p:txBody>
+          <a:bodyPr/>
+          <a:lstStyle/>
+          <a:p>
+            <a:fld id="{CF502997-02C4-40DC-890F-331FB236C9EC}" type="datetime1">
+              <a:rPr lang="en-US" smtClean="0"/>
+              <a:t>01-Oct-18</a:t>
+            </a:fld>
+            <a:endParaRPr lang="en-US" dirty="0"/>
+          </a:p>
+        </p:txBody>
+      </p:sp>
+      <p:sp>
+        <p:nvSpPr>
+          <p:cNvPr id="5" name="Footer Placeholder 4"/>
+          <p:cNvSpPr>
+            <a:spLocks noGrp="1"/>
+          </p:cNvSpPr>
+          <p:nvPr>
+            <p:ph type="ftr" sz="quarter" idx="11"/>
+          </p:nvPr>
+        </p:nvSpPr>
+        <p:spPr/>
+        <p:txBody>
+          <a:bodyPr/>
+          <a:lstStyle/>
+          <a:p>
+            <a:r>
+              <a:rPr lang="en-US" smtClean="0"/>
+              <a:t>N.L.Veerendra,K.Gangadhar,P.R.Surya</a:t>
+            </a:r>
+            <a:endParaRPr lang="en-US" dirty="0"/>
+          </a:p>
+        </p:txBody>
+      </p:sp>
+      <p:sp>
+        <p:nvSpPr>
+          <p:cNvPr id="6" name="Slide Number Placeholder 5"/>
+          <p:cNvSpPr>
+            <a:spLocks noGrp="1"/>
+          </p:cNvSpPr>
+          <p:nvPr>
+            <p:ph type="sldNum" sz="quarter" idx="12"/>
+          </p:nvPr>
+        </p:nvSpPr>
+        <p:spPr/>
+        <p:txBody>
+          <a:bodyPr/>
+          <a:lstStyle/>
+          <a:p>
+            <a:fld id="{D57F1E4F-1CFF-5643-939E-217C01CDF565}" type="slidenum">
+              <a:rPr lang="en-US" smtClean="0"/>
+              <a:pPr/>
+              <a:t>8</a:t>
+            </a:fld>
+            <a:endParaRPr lang="en-US" dirty="0"/>
+          </a:p>
+        </p:txBody>
+      </p:sp>
     </p:spTree>
     <p:extLst>
       <p:ext uri="{BB962C8B-B14F-4D97-AF65-F5344CB8AC3E}">
@@ -7679,6 +9408,13 @@
   <p:clrMapOvr>
     <a:masterClrMapping/>
   </p:clrMapOvr>
+  <p:timing>
+    <p:tnLst>
+      <p:par>
+        <p:cTn id="1" dur="indefinite" restart="never" nodeType="tmRoot"/>
+      </p:par>
+    </p:tnLst>
+  </p:timing>
 </p:sld>
 </file>
 
@@ -7827,6 +9563,76 @@
           </a:p>
         </p:txBody>
       </p:sp>
+      <p:sp>
+        <p:nvSpPr>
+          <p:cNvPr id="4" name="Date Placeholder 3"/>
+          <p:cNvSpPr>
+            <a:spLocks noGrp="1"/>
+          </p:cNvSpPr>
+          <p:nvPr>
+            <p:ph type="dt" sz="half" idx="10"/>
+          </p:nvPr>
+        </p:nvSpPr>
+        <p:spPr/>
+        <p:txBody>
+          <a:bodyPr/>
+          <a:lstStyle/>
+          <a:p>
+            <a:fld id="{C166C3E2-AF42-41B7-9EA8-348AF23A2FA2}" type="datetime1">
+              <a:rPr lang="en-US" smtClean="0"/>
+              <a:t>01-Oct-18</a:t>
+            </a:fld>
+            <a:endParaRPr lang="en-US" dirty="0"/>
+          </a:p>
+        </p:txBody>
+      </p:sp>
+      <p:sp>
+        <p:nvSpPr>
+          <p:cNvPr id="5" name="Footer Placeholder 4"/>
+          <p:cNvSpPr>
+            <a:spLocks noGrp="1"/>
+          </p:cNvSpPr>
+          <p:nvPr>
+            <p:ph type="ftr" sz="quarter" idx="11"/>
+          </p:nvPr>
+        </p:nvSpPr>
+        <p:spPr/>
+        <p:txBody>
+          <a:bodyPr/>
+          <a:lstStyle/>
+          <a:p>
+            <a:r>
+              <a:rPr lang="en-US" smtClean="0"/>
+              <a:t>N.L.Veerendra,K.Gangadhar,P.R.Surya</a:t>
+            </a:r>
+            <a:endParaRPr lang="en-US" dirty="0"/>
+          </a:p>
+        </p:txBody>
+      </p:sp>
+      <p:sp>
+        <p:nvSpPr>
+          <p:cNvPr id="6" name="Slide Number Placeholder 5"/>
+          <p:cNvSpPr>
+            <a:spLocks noGrp="1"/>
+          </p:cNvSpPr>
+          <p:nvPr>
+            <p:ph type="sldNum" sz="quarter" idx="12"/>
+          </p:nvPr>
+        </p:nvSpPr>
+        <p:spPr/>
+        <p:txBody>
+          <a:bodyPr/>
+          <a:lstStyle/>
+          <a:p>
+            <a:fld id="{D57F1E4F-1CFF-5643-939E-217C01CDF565}" type="slidenum">
+              <a:rPr lang="en-US" smtClean="0"/>
+              <a:pPr/>
+              <a:t>9</a:t>
+            </a:fld>
+            <a:endParaRPr lang="en-US" dirty="0"/>
+          </a:p>
+        </p:txBody>
+      </p:sp>
     </p:spTree>
     <p:extLst>
       <p:ext uri="{BB962C8B-B14F-4D97-AF65-F5344CB8AC3E}">
@@ -7837,6 +9643,13 @@
   <p:clrMapOvr>
     <a:masterClrMapping/>
   </p:clrMapOvr>
+  <p:timing>
+    <p:tnLst>
+      <p:par>
+        <p:cTn id="1" dur="indefinite" restart="never" nodeType="tmRoot"/>
+      </p:par>
+    </p:tnLst>
+  </p:timing>
 </p:sld>
 </file>
 
@@ -8095,4 +9908,265 @@
     </a:ext>
   </a:extLst>
 </a:theme>
+</file>
+
+<file path=ppt/theme/theme2.xml><?xml version="1.0" encoding="utf-8"?>
+<a:theme xmlns:a="http://schemas.openxmlformats.org/drawingml/2006/main" name="Office Theme">
+  <a:themeElements>
+    <a:clrScheme name="Office">
+      <a:dk1>
+        <a:sysClr val="windowText" lastClr="000000"/>
+      </a:dk1>
+      <a:lt1>
+        <a:sysClr val="window" lastClr="FFFFFF"/>
+      </a:lt1>
+      <a:dk2>
+        <a:srgbClr val="44546A"/>
+      </a:dk2>
+      <a:lt2>
+        <a:srgbClr val="E7E6E6"/>
+      </a:lt2>
+      <a:accent1>
+        <a:srgbClr val="5B9BD5"/>
+      </a:accent1>
+      <a:accent2>
+        <a:srgbClr val="ED7D31"/>
+      </a:accent2>
+      <a:accent3>
+        <a:srgbClr val="A5A5A5"/>
+      </a:accent3>
+      <a:accent4>
+        <a:srgbClr val="FFC000"/>
+      </a:accent4>
+      <a:accent5>
+        <a:srgbClr val="4472C4"/>
+      </a:accent5>
+      <a:accent6>
+        <a:srgbClr val="70AD47"/>
+      </a:accent6>
+      <a:hlink>
+        <a:srgbClr val="0563C1"/>
+      </a:hlink>
+      <a:folHlink>
+        <a:srgbClr val="954F72"/>
+      </a:folHlink>
+    </a:clrScheme>
+    <a:fontScheme name="Office">
+      <a:majorFont>
+        <a:latin typeface="Calibri Light" panose="020F0302020204030204"/>
+        <a:ea typeface=""/>
+        <a:cs typeface=""/>
+        <a:font script="Jpan" typeface="ＭＳ Ｐゴシック"/>
+        <a:font script="Hang" typeface="맑은 고딕"/>
+        <a:font script="Hans" typeface="宋体"/>
+        <a:font script="Hant" typeface="新細明體"/>
+        <a:font script="Arab" typeface="Times New Roman"/>
+        <a:font script="Hebr" typeface="Times New Roman"/>
+        <a:font script="Thai" typeface="Angsana New"/>
+        <a:font script="Ethi" typeface="Nyala"/>
+        <a:font script="Beng" typeface="Vrinda"/>
+        <a:font script="Gujr" typeface="Shruti"/>
+        <a:font script="Khmr" typeface="MoolBoran"/>
+        <a:font script="Knda" typeface="Tunga"/>
+        <a:font script="Guru" typeface="Raavi"/>
+        <a:font script="Cans" typeface="Euphemia"/>
+        <a:font script="Cher" typeface="Plantagenet Cherokee"/>
+        <a:font script="Yiii" typeface="Microsoft Yi Baiti"/>
+        <a:font script="Tibt" typeface="Microsoft Himalaya"/>
+        <a:font script="Thaa" typeface="MV Boli"/>
+        <a:font script="Deva" typeface="Mangal"/>
+        <a:font script="Telu" typeface="Gautami"/>
+        <a:font script="Taml" typeface="Latha"/>
+        <a:font script="Syrc" typeface="Estrangelo Edessa"/>
+        <a:font script="Orya" typeface="Kalinga"/>
+        <a:font script="Mlym" typeface="Kartika"/>
+        <a:font script="Laoo" typeface="DokChampa"/>
+        <a:font script="Sinh" typeface="Iskoola Pota"/>
+        <a:font script="Mong" typeface="Mongolian Baiti"/>
+        <a:font script="Viet" typeface="Times New Roman"/>
+        <a:font script="Uigh" typeface="Microsoft Uighur"/>
+        <a:font script="Geor" typeface="Sylfaen"/>
+      </a:majorFont>
+      <a:minorFont>
+        <a:latin typeface="Calibri" panose="020F0502020204030204"/>
+        <a:ea typeface=""/>
+        <a:cs typeface=""/>
+        <a:font script="Jpan" typeface="ＭＳ Ｐゴシック"/>
+        <a:font script="Hang" typeface="맑은 고딕"/>
+        <a:font script="Hans" typeface="宋体"/>
+        <a:font script="Hant" typeface="新細明體"/>
+        <a:font script="Arab" typeface="Arial"/>
+        <a:font script="Hebr" typeface="Arial"/>
+        <a:font script="Thai" typeface="Cordia New"/>
+        <a:font script="Ethi" typeface="Nyala"/>
+        <a:font script="Beng" typeface="Vrinda"/>
+        <a:font script="Gujr" typeface="Shruti"/>
+        <a:font script="Khmr" typeface="DaunPenh"/>
+        <a:font script="Knda" typeface="Tunga"/>
+        <a:font script="Guru" typeface="Raavi"/>
+        <a:font script="Cans" typeface="Euphemia"/>
+        <a:font script="Cher" typeface="Plantagenet Cherokee"/>
+        <a:font script="Yiii" typeface="Microsoft Yi Baiti"/>
+        <a:font script="Tibt" typeface="Microsoft Himalaya"/>
+        <a:font script="Thaa" typeface="MV Boli"/>
+        <a:font script="Deva" typeface="Mangal"/>
+        <a:font script="Telu" typeface="Gautami"/>
+        <a:font script="Taml" typeface="Latha"/>
+        <a:font script="Syrc" typeface="Estrangelo Edessa"/>
+        <a:font script="Orya" typeface="Kalinga"/>
+        <a:font script="Mlym" typeface="Kartika"/>
+        <a:font script="Laoo" typeface="DokChampa"/>
+        <a:font script="Sinh" typeface="Iskoola Pota"/>
+        <a:font script="Mong" typeface="Mongolian Baiti"/>
+        <a:font script="Viet" typeface="Arial"/>
+        <a:font script="Uigh" typeface="Microsoft Uighur"/>
+        <a:font script="Geor" typeface="Sylfaen"/>
+      </a:minorFont>
+    </a:fontScheme>
+    <a:fmtScheme name="Office">
+      <a:fillStyleLst>
+        <a:solidFill>
+          <a:schemeClr val="phClr"/>
+        </a:solidFill>
+        <a:gradFill rotWithShape="1">
+          <a:gsLst>
+            <a:gs pos="0">
+              <a:schemeClr val="phClr">
+                <a:lumMod val="110000"/>
+                <a:satMod val="105000"/>
+                <a:tint val="67000"/>
+              </a:schemeClr>
+            </a:gs>
+            <a:gs pos="50000">
+              <a:schemeClr val="phClr">
+                <a:lumMod val="105000"/>
+                <a:satMod val="103000"/>
+                <a:tint val="73000"/>
+              </a:schemeClr>
+            </a:gs>
+            <a:gs pos="100000">
+              <a:schemeClr val="phClr">
+                <a:lumMod val="105000"/>
+                <a:satMod val="109000"/>
+                <a:tint val="81000"/>
+              </a:schemeClr>
+            </a:gs>
+          </a:gsLst>
+          <a:lin ang="5400000" scaled="0"/>
+        </a:gradFill>
+        <a:gradFill rotWithShape="1">
+          <a:gsLst>
+            <a:gs pos="0">
+              <a:schemeClr val="phClr">
+                <a:satMod val="103000"/>
+                <a:lumMod val="102000"/>
+                <a:tint val="94000"/>
+              </a:schemeClr>
+            </a:gs>
+            <a:gs pos="50000">
+              <a:schemeClr val="phClr">
+                <a:satMod val="110000"/>
+                <a:lumMod val="100000"/>
+                <a:shade val="100000"/>
+              </a:schemeClr>
+            </a:gs>
+            <a:gs pos="100000">
+              <a:schemeClr val="phClr">
+                <a:lumMod val="99000"/>
+                <a:satMod val="120000"/>
+                <a:shade val="78000"/>
+              </a:schemeClr>
+            </a:gs>
+          </a:gsLst>
+          <a:lin ang="5400000" scaled="0"/>
+        </a:gradFill>
+      </a:fillStyleLst>
+      <a:lnStyleLst>
+        <a:ln w="6350" cap="flat" cmpd="sng" algn="ctr">
+          <a:solidFill>
+            <a:schemeClr val="phClr"/>
+          </a:solidFill>
+          <a:prstDash val="solid"/>
+          <a:miter lim="800000"/>
+        </a:ln>
+        <a:ln w="12700" cap="flat" cmpd="sng" algn="ctr">
+          <a:solidFill>
+            <a:schemeClr val="phClr"/>
+          </a:solidFill>
+          <a:prstDash val="solid"/>
+          <a:miter lim="800000"/>
+        </a:ln>
+        <a:ln w="19050" cap="flat" cmpd="sng" algn="ctr">
+          <a:solidFill>
+            <a:schemeClr val="phClr"/>
+          </a:solidFill>
+          <a:prstDash val="solid"/>
+          <a:miter lim="800000"/>
+        </a:ln>
+      </a:lnStyleLst>
+      <a:effectStyleLst>
+        <a:effectStyle>
+          <a:effectLst/>
+        </a:effectStyle>
+        <a:effectStyle>
+          <a:effectLst/>
+        </a:effectStyle>
+        <a:effectStyle>
+          <a:effectLst>
+            <a:outerShdw blurRad="57150" dist="19050" dir="5400000" algn="ctr" rotWithShape="0">
+              <a:srgbClr val="000000">
+                <a:alpha val="63000"/>
+              </a:srgbClr>
+            </a:outerShdw>
+          </a:effectLst>
+        </a:effectStyle>
+      </a:effectStyleLst>
+      <a:bgFillStyleLst>
+        <a:solidFill>
+          <a:schemeClr val="phClr"/>
+        </a:solidFill>
+        <a:solidFill>
+          <a:schemeClr val="phClr">
+            <a:tint val="95000"/>
+            <a:satMod val="170000"/>
+          </a:schemeClr>
+        </a:solidFill>
+        <a:gradFill rotWithShape="1">
+          <a:gsLst>
+            <a:gs pos="0">
+              <a:schemeClr val="phClr">
+                <a:tint val="93000"/>
+                <a:satMod val="150000"/>
+                <a:shade val="98000"/>
+                <a:lumMod val="102000"/>
+              </a:schemeClr>
+            </a:gs>
+            <a:gs pos="50000">
+              <a:schemeClr val="phClr">
+                <a:tint val="98000"/>
+                <a:satMod val="130000"/>
+                <a:shade val="90000"/>
+                <a:lumMod val="103000"/>
+              </a:schemeClr>
+            </a:gs>
+            <a:gs pos="100000">
+              <a:schemeClr val="phClr">
+                <a:shade val="63000"/>
+                <a:satMod val="120000"/>
+              </a:schemeClr>
+            </a:gs>
+          </a:gsLst>
+          <a:lin ang="5400000" scaled="0"/>
+        </a:gradFill>
+      </a:bgFillStyleLst>
+    </a:fmtScheme>
+  </a:themeElements>
+  <a:objectDefaults/>
+  <a:extraClrSchemeLst/>
+  <a:extLst>
+    <a:ext uri="{05A4C25C-085E-4340-85A3-A5531E510DB2}">
+      <thm15:themeFamily xmlns:thm15="http://schemas.microsoft.com/office/thememl/2012/main" name="Office Theme" id="{62F939B6-93AF-4DB8-9C6B-D6C7DFDC589F}" vid="{4A3C46E8-61CC-4603-A589-7422A47A8E4A}"/>
+    </a:ext>
+  </a:extLst>
+</a:theme>
 </file>
--- a/Presentation/An Improved ID3 algorithm for clinical data Classification review 2.pptx
+++ b/Presentation/An Improved ID3 algorithm for clinical data Classification review 2.pptx
@@ -5,7 +5,7 @@
     <p:sldMasterId id="2147483648" r:id="rId1"/>
   </p:sldMasterIdLst>
   <p:notesMasterIdLst>
-    <p:notesMasterId r:id="rId17"/>
+    <p:notesMasterId r:id="rId21"/>
   </p:notesMasterIdLst>
   <p:sldIdLst>
     <p:sldId id="276" r:id="rId2"/>
@@ -23,6 +23,10 @@
     <p:sldId id="273" r:id="rId14"/>
     <p:sldId id="268" r:id="rId15"/>
     <p:sldId id="275" r:id="rId16"/>
+    <p:sldId id="277" r:id="rId17"/>
+    <p:sldId id="278" r:id="rId18"/>
+    <p:sldId id="279" r:id="rId19"/>
+    <p:sldId id="280" r:id="rId20"/>
   </p:sldIdLst>
   <p:sldSz cx="12192000" cy="6858000"/>
   <p:notesSz cx="6858000" cy="9144000"/>
@@ -7234,154 +7238,110 @@
           <a:lstStyle/>
           <a:p>
             <a:r>
-              <a:rPr lang="en-US" dirty="0"/>
-              <a:t>usage: main.py [-h] [-d] -a ATTRIBUTES_FILE -l TRAINING_FILE [-</a:t>
-            </a:r>
-            <a:r>
               <a:rPr lang="en-US" dirty="0" smtClean="0"/>
-              <a:t>t TESTING_FILE]</a:t>
-            </a:r>
-            <a:endParaRPr lang="en-US" dirty="0"/>
-          </a:p>
-          <a:p>
-            <a:r>
-              <a:rPr lang="en-US" dirty="0"/>
+              <a:t>usage: main.py [-h] [-d] -a ATTRIBUTES_FILE -l TRAINING_FILE [-t TESTING_FILE]</a:t>
+            </a:r>
+          </a:p>
+          <a:p>
+            <a:r>
+              <a:rPr lang="en-US" dirty="0" smtClean="0"/>
               <a:t>                   </a:t>
             </a:r>
             <a:r>
-              <a:rPr lang="en-US" dirty="0" err="1"/>
+              <a:rPr lang="en-US" dirty="0" err="1" smtClean="0"/>
               <a:t>dtree</a:t>
             </a:r>
             <a:r>
-              <a:rPr lang="en-US" dirty="0"/>
+              <a:rPr lang="en-US" dirty="0" smtClean="0"/>
               <a:t>-module classifier</a:t>
             </a:r>
           </a:p>
           <a:p>
             <a:r>
-              <a:rPr lang="en-US" dirty="0"/>
+              <a:rPr lang="en-US" dirty="0" smtClean="0"/>
               <a:t>    Train (and optionally test) a decision tree</a:t>
             </a:r>
           </a:p>
           <a:p>
             <a:r>
-              <a:rPr lang="en-US" dirty="0"/>
+              <a:rPr lang="en-US" dirty="0" smtClean="0"/>
               <a:t>    positional arguments:</a:t>
             </a:r>
           </a:p>
           <a:p>
             <a:r>
-              <a:rPr lang="en-US" dirty="0"/>
+              <a:rPr lang="en-US" dirty="0" smtClean="0"/>
               <a:t>      </a:t>
             </a:r>
             <a:r>
-              <a:rPr lang="en-US" dirty="0" err="1"/>
+              <a:rPr lang="en-US" dirty="0" err="1" smtClean="0"/>
               <a:t>dtree</a:t>
             </a:r>
             <a:r>
-              <a:rPr lang="en-US" dirty="0"/>
-              <a:t>-module     </a:t>
-            </a:r>
-            <a:r>
               <a:rPr lang="en-US" dirty="0" smtClean="0"/>
-              <a:t>Decision </a:t>
-            </a:r>
-            <a:r>
-              <a:rPr lang="en-US" dirty="0"/>
-              <a:t>tree module name</a:t>
-            </a:r>
-          </a:p>
-          <a:p>
-            <a:r>
-              <a:rPr lang="en-US" dirty="0"/>
+              <a:t>-module     Decision tree module name</a:t>
+            </a:r>
+          </a:p>
+          <a:p>
+            <a:r>
+              <a:rPr lang="en-US" dirty="0" smtClean="0"/>
               <a:t>      classifier            Name of the attribute to use for classification</a:t>
             </a:r>
           </a:p>
           <a:p>
             <a:r>
-              <a:rPr lang="en-US" dirty="0"/>
+              <a:rPr lang="en-US" dirty="0" smtClean="0"/>
               <a:t>    optional arguments:</a:t>
             </a:r>
           </a:p>
           <a:p>
             <a:r>
-              <a:rPr lang="en-US" dirty="0"/>
+              <a:rPr lang="en-US" dirty="0" smtClean="0"/>
               <a:t>      -h, --help            show this help message and exit</a:t>
             </a:r>
           </a:p>
           <a:p>
             <a:r>
-              <a:rPr lang="en-US" dirty="0"/>
-              <a:t>      -d, --debug     </a:t>
-            </a:r>
-            <a:r>
               <a:rPr lang="en-US" dirty="0" smtClean="0"/>
-              <a:t>     enables </a:t>
-            </a:r>
-            <a:r>
-              <a:rPr lang="en-US" dirty="0"/>
-              <a:t>debug</a:t>
-            </a:r>
-          </a:p>
-          <a:p>
-            <a:r>
-              <a:rPr lang="en-US" dirty="0"/>
+              <a:t>      -d, --debug          enables debug</a:t>
+            </a:r>
+          </a:p>
+          <a:p>
+            <a:r>
+              <a:rPr lang="en-US" dirty="0" smtClean="0"/>
               <a:t>      -a ATTRIBUTES_FILE, --attributes ATTRIBUTES_FILE</a:t>
             </a:r>
           </a:p>
           <a:p>
             <a:r>
-              <a:rPr lang="en-US" dirty="0"/>
-              <a:t>                            </a:t>
-            </a:r>
-            <a:r>
               <a:rPr lang="en-US" dirty="0" smtClean="0"/>
-              <a:t>     Name </a:t>
-            </a:r>
-            <a:r>
-              <a:rPr lang="en-US" dirty="0"/>
-              <a:t>of the attribute specification file</a:t>
-            </a:r>
-          </a:p>
-          <a:p>
-            <a:r>
-              <a:rPr lang="en-US" dirty="0"/>
+              <a:t>                                 Name of the attribute specification file</a:t>
+            </a:r>
+          </a:p>
+          <a:p>
+            <a:r>
+              <a:rPr lang="en-US" dirty="0" smtClean="0"/>
               <a:t>      -l TRAINING_FILE, --train TRAINING_FILE</a:t>
             </a:r>
           </a:p>
           <a:p>
             <a:r>
-              <a:rPr lang="en-US" dirty="0"/>
-              <a:t>                            </a:t>
-            </a:r>
-            <a:r>
               <a:rPr lang="en-US" dirty="0" smtClean="0"/>
-              <a:t>     Name </a:t>
-            </a:r>
-            <a:r>
-              <a:rPr lang="en-US" dirty="0"/>
-              <a:t>of the file to use for training/learning</a:t>
-            </a:r>
-          </a:p>
-          <a:p>
-            <a:r>
-              <a:rPr lang="en-US" dirty="0"/>
+              <a:t>                                 Name of the file to use for training/learning</a:t>
+            </a:r>
+          </a:p>
+          <a:p>
+            <a:r>
+              <a:rPr lang="en-US" dirty="0" smtClean="0"/>
               <a:t>      -t TESTING_FILE, --test TESTING_FILE</a:t>
             </a:r>
           </a:p>
           <a:p>
             <a:r>
-              <a:rPr lang="en-US" dirty="0"/>
-              <a:t>                            </a:t>
-            </a:r>
-            <a:r>
               <a:rPr lang="en-US" dirty="0" smtClean="0"/>
-              <a:t>      Name </a:t>
-            </a:r>
-            <a:r>
-              <a:rPr lang="en-US" dirty="0"/>
-              <a:t>of the file to use for testing </a:t>
-            </a:r>
+              <a:t>                                  Name of the file to use for testing </a:t>
+            </a:r>
+            <a:endParaRPr lang="en-US" dirty="0"/>
           </a:p>
         </p:txBody>
       </p:sp>
@@ -8068,6 +8028,291 @@
       </p:par>
     </p:tnLst>
   </p:timing>
+</p:sld>
+</file>
+
+<file path=ppt/slides/slide16.xml><?xml version="1.0" encoding="utf-8"?>
+<p:sld xmlns:a="http://schemas.openxmlformats.org/drawingml/2006/main" xmlns:r="http://schemas.openxmlformats.org/officeDocument/2006/relationships" xmlns:p="http://schemas.openxmlformats.org/presentationml/2006/main">
+  <p:cSld>
+    <p:spTree>
+      <p:nvGrpSpPr>
+        <p:cNvPr id="1" name=""/>
+        <p:cNvGrpSpPr/>
+        <p:nvPr/>
+      </p:nvGrpSpPr>
+      <p:grpSpPr>
+        <a:xfrm>
+          <a:off x="0" y="0"/>
+          <a:ext cx="0" cy="0"/>
+          <a:chOff x="0" y="0"/>
+          <a:chExt cx="0" cy="0"/>
+        </a:xfrm>
+      </p:grpSpPr>
+      <p:sp>
+        <p:nvSpPr>
+          <p:cNvPr id="2" name="Title 1"/>
+          <p:cNvSpPr>
+            <a:spLocks noGrp="1"/>
+          </p:cNvSpPr>
+          <p:nvPr>
+            <p:ph type="title"/>
+          </p:nvPr>
+        </p:nvSpPr>
+        <p:spPr/>
+        <p:txBody>
+          <a:bodyPr/>
+          <a:lstStyle/>
+          <a:p>
+            <a:r>
+              <a:rPr lang="en-US" dirty="0" smtClean="0"/>
+              <a:t>Implementation</a:t>
+            </a:r>
+            <a:endParaRPr lang="en-US" dirty="0"/>
+          </a:p>
+        </p:txBody>
+      </p:sp>
+      <p:sp>
+        <p:nvSpPr>
+          <p:cNvPr id="4" name="Date Placeholder 3"/>
+          <p:cNvSpPr>
+            <a:spLocks noGrp="1"/>
+          </p:cNvSpPr>
+          <p:nvPr>
+            <p:ph type="dt" sz="half" idx="10"/>
+          </p:nvPr>
+        </p:nvSpPr>
+        <p:spPr/>
+        <p:txBody>
+          <a:bodyPr/>
+          <a:lstStyle/>
+          <a:p>
+            <a:fld id="{B78C9E5B-9911-4E91-9769-2D25D8811588}" type="datetime1">
+              <a:rPr lang="en-US" smtClean="0"/>
+              <a:t>01-Oct-18</a:t>
+            </a:fld>
+            <a:endParaRPr lang="en-US" dirty="0"/>
+          </a:p>
+        </p:txBody>
+      </p:sp>
+      <p:sp>
+        <p:nvSpPr>
+          <p:cNvPr id="5" name="Footer Placeholder 4"/>
+          <p:cNvSpPr>
+            <a:spLocks noGrp="1"/>
+          </p:cNvSpPr>
+          <p:nvPr>
+            <p:ph type="ftr" sz="quarter" idx="11"/>
+          </p:nvPr>
+        </p:nvSpPr>
+        <p:spPr/>
+        <p:txBody>
+          <a:bodyPr/>
+          <a:lstStyle/>
+          <a:p>
+            <a:r>
+              <a:rPr lang="en-US" smtClean="0"/>
+              <a:t>N.L.Veerendra,K.Gangadhar,P.R.Surya</a:t>
+            </a:r>
+            <a:endParaRPr lang="en-US" dirty="0"/>
+          </a:p>
+        </p:txBody>
+      </p:sp>
+      <p:sp>
+        <p:nvSpPr>
+          <p:cNvPr id="6" name="Slide Number Placeholder 5"/>
+          <p:cNvSpPr>
+            <a:spLocks noGrp="1"/>
+          </p:cNvSpPr>
+          <p:nvPr>
+            <p:ph type="sldNum" sz="quarter" idx="12"/>
+          </p:nvPr>
+        </p:nvSpPr>
+        <p:spPr/>
+        <p:txBody>
+          <a:bodyPr/>
+          <a:lstStyle/>
+          <a:p>
+            <a:fld id="{D57F1E4F-1CFF-5643-939E-217C01CDF565}" type="slidenum">
+              <a:rPr lang="en-US" smtClean="0"/>
+              <a:pPr/>
+              <a:t>16</a:t>
+            </a:fld>
+            <a:endParaRPr lang="en-US" dirty="0"/>
+          </a:p>
+        </p:txBody>
+      </p:sp>
+    </p:spTree>
+    <p:extLst>
+      <p:ext uri="{BB962C8B-B14F-4D97-AF65-F5344CB8AC3E}">
+        <p14:creationId xmlns:p14="http://schemas.microsoft.com/office/powerpoint/2010/main" val="932257927"/>
+      </p:ext>
+    </p:extLst>
+  </p:cSld>
+  <p:clrMapOvr>
+    <a:masterClrMapping/>
+  </p:clrMapOvr>
+</p:sld>
+</file>
+
+<file path=ppt/slides/slide17.xml><?xml version="1.0" encoding="utf-8"?>
+<p:sld xmlns:a="http://schemas.openxmlformats.org/drawingml/2006/main" xmlns:r="http://schemas.openxmlformats.org/officeDocument/2006/relationships" xmlns:p="http://schemas.openxmlformats.org/presentationml/2006/main">
+  <p:cSld>
+    <p:spTree>
+      <p:nvGrpSpPr>
+        <p:cNvPr id="1" name=""/>
+        <p:cNvGrpSpPr/>
+        <p:nvPr/>
+      </p:nvGrpSpPr>
+      <p:grpSpPr>
+        <a:xfrm>
+          <a:off x="0" y="0"/>
+          <a:ext cx="0" cy="0"/>
+          <a:chOff x="0" y="0"/>
+          <a:chExt cx="0" cy="0"/>
+        </a:xfrm>
+      </p:grpSpPr>
+      <p:pic>
+        <p:nvPicPr>
+          <p:cNvPr id="7" name="Picture 6"/>
+          <p:cNvPicPr>
+            <a:picLocks noChangeAspect="1"/>
+          </p:cNvPicPr>
+          <p:nvPr/>
+        </p:nvPicPr>
+        <p:blipFill>
+          <a:blip r:embed="rId2"/>
+          <a:stretch>
+            <a:fillRect/>
+          </a:stretch>
+        </p:blipFill>
+        <p:spPr>
+          <a:xfrm>
+            <a:off x="0" y="0"/>
+            <a:ext cx="12192000" cy="6858000"/>
+          </a:xfrm>
+          <a:prstGeom prst="rect">
+            <a:avLst/>
+          </a:prstGeom>
+        </p:spPr>
+      </p:pic>
+    </p:spTree>
+    <p:extLst>
+      <p:ext uri="{BB962C8B-B14F-4D97-AF65-F5344CB8AC3E}">
+        <p14:creationId xmlns:p14="http://schemas.microsoft.com/office/powerpoint/2010/main" val="2818763278"/>
+      </p:ext>
+    </p:extLst>
+  </p:cSld>
+  <p:clrMapOvr>
+    <a:masterClrMapping/>
+  </p:clrMapOvr>
+</p:sld>
+</file>
+
+<file path=ppt/slides/slide18.xml><?xml version="1.0" encoding="utf-8"?>
+<p:sld xmlns:a="http://schemas.openxmlformats.org/drawingml/2006/main" xmlns:r="http://schemas.openxmlformats.org/officeDocument/2006/relationships" xmlns:p="http://schemas.openxmlformats.org/presentationml/2006/main">
+  <p:cSld>
+    <p:spTree>
+      <p:nvGrpSpPr>
+        <p:cNvPr id="1" name=""/>
+        <p:cNvGrpSpPr/>
+        <p:nvPr/>
+      </p:nvGrpSpPr>
+      <p:grpSpPr>
+        <a:xfrm>
+          <a:off x="0" y="0"/>
+          <a:ext cx="0" cy="0"/>
+          <a:chOff x="0" y="0"/>
+          <a:chExt cx="0" cy="0"/>
+        </a:xfrm>
+      </p:grpSpPr>
+      <p:pic>
+        <p:nvPicPr>
+          <p:cNvPr id="7" name="Picture 6"/>
+          <p:cNvPicPr>
+            <a:picLocks noChangeAspect="1"/>
+          </p:cNvPicPr>
+          <p:nvPr/>
+        </p:nvPicPr>
+        <p:blipFill>
+          <a:blip r:embed="rId2"/>
+          <a:stretch>
+            <a:fillRect/>
+          </a:stretch>
+        </p:blipFill>
+        <p:spPr>
+          <a:xfrm>
+            <a:off x="0" y="0"/>
+            <a:ext cx="12192000" cy="6858000"/>
+          </a:xfrm>
+          <a:prstGeom prst="rect">
+            <a:avLst/>
+          </a:prstGeom>
+        </p:spPr>
+      </p:pic>
+    </p:spTree>
+    <p:extLst>
+      <p:ext uri="{BB962C8B-B14F-4D97-AF65-F5344CB8AC3E}">
+        <p14:creationId xmlns:p14="http://schemas.microsoft.com/office/powerpoint/2010/main" val="3345956223"/>
+      </p:ext>
+    </p:extLst>
+  </p:cSld>
+  <p:clrMapOvr>
+    <a:masterClrMapping/>
+  </p:clrMapOvr>
+</p:sld>
+</file>
+
+<file path=ppt/slides/slide19.xml><?xml version="1.0" encoding="utf-8"?>
+<p:sld xmlns:a="http://schemas.openxmlformats.org/drawingml/2006/main" xmlns:r="http://schemas.openxmlformats.org/officeDocument/2006/relationships" xmlns:p="http://schemas.openxmlformats.org/presentationml/2006/main">
+  <p:cSld>
+    <p:spTree>
+      <p:nvGrpSpPr>
+        <p:cNvPr id="1" name=""/>
+        <p:cNvGrpSpPr/>
+        <p:nvPr/>
+      </p:nvGrpSpPr>
+      <p:grpSpPr>
+        <a:xfrm>
+          <a:off x="0" y="0"/>
+          <a:ext cx="0" cy="0"/>
+          <a:chOff x="0" y="0"/>
+          <a:chExt cx="0" cy="0"/>
+        </a:xfrm>
+      </p:grpSpPr>
+      <p:pic>
+        <p:nvPicPr>
+          <p:cNvPr id="8" name="Picture 7"/>
+          <p:cNvPicPr>
+            <a:picLocks noChangeAspect="1"/>
+          </p:cNvPicPr>
+          <p:nvPr/>
+        </p:nvPicPr>
+        <p:blipFill>
+          <a:blip r:embed="rId2"/>
+          <a:stretch>
+            <a:fillRect/>
+          </a:stretch>
+        </p:blipFill>
+        <p:spPr>
+          <a:xfrm>
+            <a:off x="0" y="0"/>
+            <a:ext cx="12192000" cy="6858000"/>
+          </a:xfrm>
+          <a:prstGeom prst="rect">
+            <a:avLst/>
+          </a:prstGeom>
+        </p:spPr>
+      </p:pic>
+    </p:spTree>
+    <p:extLst>
+      <p:ext uri="{BB962C8B-B14F-4D97-AF65-F5344CB8AC3E}">
+        <p14:creationId xmlns:p14="http://schemas.microsoft.com/office/powerpoint/2010/main" val="264547071"/>
+      </p:ext>
+    </p:extLst>
+  </p:cSld>
+  <p:clrMapOvr>
+    <a:masterClrMapping/>
+  </p:clrMapOvr>
 </p:sld>
 </file>
 

--- a/Presentation/An Improved ID3 algorithm for clinical data Classification review 2.pptx
+++ b/Presentation/An Improved ID3 algorithm for clinical data Classification review 2.pptx
@@ -215,7 +215,7 @@
           <a:p>
             <a:fld id="{C8A711C9-AD18-404F-91E2-FCDB8C733ED8}" type="datetimeFigureOut">
               <a:rPr lang="en-US" smtClean="0"/>
-              <a:t>01-Oct-18</a:t>
+              <a:t>11-Oct-18</a:t>
             </a:fld>
             <a:endParaRPr lang="en-US"/>
           </a:p>
@@ -1289,7 +1289,7 @@
           <a:p>
             <a:fld id="{DB2F17F7-07D6-4185-8F84-8AF7F951F086}" type="datetime1">
               <a:rPr lang="en-US" smtClean="0"/>
-              <a:t>01-Oct-18</a:t>
+              <a:t>11-Oct-18</a:t>
             </a:fld>
             <a:endParaRPr lang="en-US" dirty="0"/>
           </a:p>
@@ -1540,7 +1540,7 @@
           <a:p>
             <a:fld id="{20B3AC27-5185-4DDF-8C07-AC2891D1BF12}" type="datetime1">
               <a:rPr lang="en-US" smtClean="0"/>
-              <a:t>01-Oct-18</a:t>
+              <a:t>11-Oct-18</a:t>
             </a:fld>
             <a:endParaRPr lang="en-US" dirty="0"/>
           </a:p>
@@ -1854,7 +1854,7 @@
           <a:p>
             <a:fld id="{9A6B3E1F-CA2D-47D9-AA7F-503F53AEB517}" type="datetime1">
               <a:rPr lang="en-US" smtClean="0"/>
-              <a:t>01-Oct-18</a:t>
+              <a:t>11-Oct-18</a:t>
             </a:fld>
             <a:endParaRPr lang="en-US" dirty="0"/>
           </a:p>
@@ -2195,7 +2195,7 @@
           <a:p>
             <a:fld id="{2DC99206-137C-41A4-8183-D210A1E7FF63}" type="datetime1">
               <a:rPr lang="en-US" smtClean="0"/>
-              <a:t>01-Oct-18</a:t>
+              <a:t>11-Oct-18</a:t>
             </a:fld>
             <a:endParaRPr lang="en-US" dirty="0"/>
           </a:p>
@@ -2509,7 +2509,7 @@
           <a:p>
             <a:fld id="{D734FC8D-3B27-4F72-ABBC-A60B062AC5F3}" type="datetime1">
               <a:rPr lang="en-US" smtClean="0"/>
-              <a:t>01-Oct-18</a:t>
+              <a:t>11-Oct-18</a:t>
             </a:fld>
             <a:endParaRPr lang="en-US" dirty="0"/>
           </a:p>
@@ -2902,7 +2902,7 @@
           <a:p>
             <a:fld id="{251B2D4A-68A0-4933-9097-5D56CC6AEBB7}" type="datetime1">
               <a:rPr lang="en-US" smtClean="0"/>
-              <a:t>01-Oct-18</a:t>
+              <a:t>11-Oct-18</a:t>
             </a:fld>
             <a:endParaRPr lang="en-US" dirty="0"/>
           </a:p>
@@ -3072,7 +3072,7 @@
           <a:p>
             <a:fld id="{CDE8C479-884F-4995-BDD1-4FD03E4C4D3B}" type="datetime1">
               <a:rPr lang="en-US" smtClean="0"/>
-              <a:t>01-Oct-18</a:t>
+              <a:t>11-Oct-18</a:t>
             </a:fld>
             <a:endParaRPr lang="en-US" dirty="0"/>
           </a:p>
@@ -3251,7 +3251,7 @@
           <a:p>
             <a:fld id="{5A09BE80-88DE-4766-9745-EE2DFB61D267}" type="datetime1">
               <a:rPr lang="en-US" smtClean="0"/>
-              <a:t>01-Oct-18</a:t>
+              <a:t>11-Oct-18</a:t>
             </a:fld>
             <a:endParaRPr lang="en-US" dirty="0"/>
           </a:p>
@@ -3427,7 +3427,7 @@
           <a:p>
             <a:fld id="{B78C9E5B-9911-4E91-9769-2D25D8811588}" type="datetime1">
               <a:rPr lang="en-US" smtClean="0"/>
-              <a:t>01-Oct-18</a:t>
+              <a:t>11-Oct-18</a:t>
             </a:fld>
             <a:endParaRPr lang="en-US" dirty="0"/>
           </a:p>
@@ -3674,7 +3674,7 @@
           <a:p>
             <a:fld id="{39B7BF6E-0CA8-433D-A453-3F2D08909A4D}" type="datetime1">
               <a:rPr lang="en-US" smtClean="0"/>
-              <a:t>01-Oct-18</a:t>
+              <a:t>11-Oct-18</a:t>
             </a:fld>
             <a:endParaRPr lang="en-US" dirty="0"/>
           </a:p>
@@ -3906,7 +3906,7 @@
           <a:p>
             <a:fld id="{EDCCE2CF-6971-4F62-92E3-A0D6AE346723}" type="datetime1">
               <a:rPr lang="en-US" smtClean="0"/>
-              <a:t>01-Oct-18</a:t>
+              <a:t>11-Oct-18</a:t>
             </a:fld>
             <a:endParaRPr lang="en-US" dirty="0"/>
           </a:p>
@@ -4279,7 +4279,7 @@
           <a:p>
             <a:fld id="{36AF2767-4429-4B7B-A71B-6DCF402252E6}" type="datetime1">
               <a:rPr lang="en-US" smtClean="0"/>
-              <a:t>01-Oct-18</a:t>
+              <a:t>11-Oct-18</a:t>
             </a:fld>
             <a:endParaRPr lang="en-US" dirty="0"/>
           </a:p>
@@ -4402,7 +4402,7 @@
           <a:p>
             <a:fld id="{E9D60C16-DA40-4441-9BA0-B2CC9C6EACF4}" type="datetime1">
               <a:rPr lang="en-US" smtClean="0"/>
-              <a:t>01-Oct-18</a:t>
+              <a:t>11-Oct-18</a:t>
             </a:fld>
             <a:endParaRPr lang="en-US" dirty="0"/>
           </a:p>
@@ -4497,7 +4497,7 @@
           <a:p>
             <a:fld id="{36BD6568-3496-4FFB-8DA0-E7E52B8987D2}" type="datetime1">
               <a:rPr lang="en-US" smtClean="0"/>
-              <a:t>01-Oct-18</a:t>
+              <a:t>11-Oct-18</a:t>
             </a:fld>
             <a:endParaRPr lang="en-US" dirty="0"/>
           </a:p>
@@ -4752,7 +4752,7 @@
           <a:p>
             <a:fld id="{9F7746F7-3258-4B0C-8B12-442FFB6A7367}" type="datetime1">
               <a:rPr lang="en-US" smtClean="0"/>
-              <a:t>01-Oct-18</a:t>
+              <a:t>11-Oct-18</a:t>
             </a:fld>
             <a:endParaRPr lang="en-US" dirty="0"/>
           </a:p>
@@ -5014,7 +5014,7 @@
           <a:p>
             <a:fld id="{8BCAD996-9C7C-4DA8-82DE-5D8834FA62D5}" type="datetime1">
               <a:rPr lang="en-US" smtClean="0"/>
-              <a:t>01-Oct-18</a:t>
+              <a:t>11-Oct-18</a:t>
             </a:fld>
             <a:endParaRPr lang="en-US" dirty="0"/>
           </a:p>
@@ -5757,7 +5757,7 @@
           <a:p>
             <a:fld id="{68DA0E6E-0477-40AC-9D4F-67FDFF984CE6}" type="datetime1">
               <a:rPr lang="en-US" smtClean="0"/>
-              <a:t>01-Oct-18</a:t>
+              <a:t>11-Oct-18</a:t>
             </a:fld>
             <a:endParaRPr lang="en-US" dirty="0"/>
           </a:p>
@@ -6330,7 +6330,7 @@
           <a:p>
             <a:fld id="{FC3B0A6D-FB69-49E6-9384-7B86D7C138E5}" type="datetime1">
               <a:rPr lang="en-US" smtClean="0"/>
-              <a:t>01-Oct-18</a:t>
+              <a:t>11-Oct-18</a:t>
             </a:fld>
             <a:endParaRPr lang="en-US"/>
           </a:p>
@@ -6760,7 +6760,7 @@
           <a:p>
             <a:fld id="{5D40B31B-4D55-4E72-AABC-25146CAE0474}" type="datetime1">
               <a:rPr lang="en-US" smtClean="0"/>
-              <a:t>01-Oct-18</a:t>
+              <a:t>11-Oct-18</a:t>
             </a:fld>
             <a:endParaRPr lang="en-US" dirty="0"/>
           </a:p>
@@ -6919,7 +6919,7 @@
           <a:p>
             <a:fld id="{6B9F9718-1110-450C-8E0B-6E6B943BAA4E}" type="datetime1">
               <a:rPr lang="en-US" smtClean="0"/>
-              <a:t>01-Oct-18</a:t>
+              <a:t>11-Oct-18</a:t>
             </a:fld>
             <a:endParaRPr lang="en-US" dirty="0"/>
           </a:p>
@@ -7126,7 +7126,7 @@
           <a:p>
             <a:fld id="{35BCF46C-157F-4E78-8B2A-29985E122C8A}" type="datetime1">
               <a:rPr lang="en-US" smtClean="0"/>
-              <a:t>01-Oct-18</a:t>
+              <a:t>11-Oct-18</a:t>
             </a:fld>
             <a:endParaRPr lang="en-US" dirty="0"/>
           </a:p>
@@ -7362,7 +7362,7 @@
           <a:p>
             <a:fld id="{4C40746A-48F1-4284-8982-D56CCB81236D}" type="datetime1">
               <a:rPr lang="en-US" smtClean="0"/>
-              <a:t>01-Oct-18</a:t>
+              <a:t>11-Oct-18</a:t>
             </a:fld>
             <a:endParaRPr lang="en-US" dirty="0"/>
           </a:p>
@@ -7592,7 +7592,7 @@
           <a:p>
             <a:fld id="{1C1D02BA-5353-4E17-B320-FCFFA8A08ACE}" type="datetime1">
               <a:rPr lang="en-US" smtClean="0"/>
-              <a:t>01-Oct-18</a:t>
+              <a:t>11-Oct-18</a:t>
             </a:fld>
             <a:endParaRPr lang="en-US" dirty="0"/>
           </a:p>
@@ -7958,7 +7958,7 @@
           <a:p>
             <a:fld id="{B7B44163-5722-4190-ACDA-961848DD85F3}" type="datetime1">
               <a:rPr lang="en-US" smtClean="0"/>
-              <a:t>01-Oct-18</a:t>
+              <a:t>11-Oct-18</a:t>
             </a:fld>
             <a:endParaRPr lang="en-US" dirty="0"/>
           </a:p>
@@ -8088,7 +8088,7 @@
           <a:p>
             <a:fld id="{B78C9E5B-9911-4E91-9769-2D25D8811588}" type="datetime1">
               <a:rPr lang="en-US" smtClean="0"/>
-              <a:t>01-Oct-18</a:t>
+              <a:t>11-Oct-18</a:t>
             </a:fld>
             <a:endParaRPr lang="en-US" dirty="0"/>
           </a:p>
@@ -8429,7 +8429,7 @@
           <a:p>
             <a:fld id="{4229E2EF-E87E-4995-9129-267E44F9BD13}" type="datetime1">
               <a:rPr lang="en-US" smtClean="0"/>
-              <a:t>01-Oct-18</a:t>
+              <a:t>11-Oct-18</a:t>
             </a:fld>
             <a:endParaRPr lang="en-US" dirty="0"/>
           </a:p>
@@ -8586,7 +8586,7 @@
           <a:p>
             <a:fld id="{1DD27C67-E37A-48C0-8A47-AC5A78BD2C7B}" type="datetime1">
               <a:rPr lang="en-US" smtClean="0"/>
-              <a:t>01-Oct-18</a:t>
+              <a:t>11-Oct-18</a:t>
             </a:fld>
             <a:endParaRPr lang="en-US" dirty="0"/>
           </a:p>
@@ -8758,7 +8758,7 @@
           <a:p>
             <a:fld id="{AA8CED5B-23D8-443D-A7DF-0AD18F970EC8}" type="datetime1">
               <a:rPr lang="en-US" smtClean="0"/>
-              <a:t>01-Oct-18</a:t>
+              <a:t>11-Oct-18</a:t>
             </a:fld>
             <a:endParaRPr lang="en-US" dirty="0"/>
           </a:p>
@@ -8988,7 +8988,7 @@
           <a:p>
             <a:fld id="{9874392E-0DF8-437B-BD81-247FA1BAED2A}" type="datetime1">
               <a:rPr lang="en-US" smtClean="0"/>
-              <a:t>01-Oct-18</a:t>
+              <a:t>11-Oct-18</a:t>
             </a:fld>
             <a:endParaRPr lang="en-US" dirty="0"/>
           </a:p>
@@ -9198,7 +9198,7 @@
           <a:p>
             <a:fld id="{227B38C6-33C7-46DD-A945-EE279E663102}" type="datetime1">
               <a:rPr lang="en-US" smtClean="0"/>
-              <a:t>01-Oct-18</a:t>
+              <a:t>11-Oct-18</a:t>
             </a:fld>
             <a:endParaRPr lang="en-US" dirty="0"/>
           </a:p>
@@ -9426,7 +9426,7 @@
           <a:p>
             <a:fld id="{77EFBD15-D722-49F7-88F4-9D85C7DFA33A}" type="datetime1">
               <a:rPr lang="en-US" smtClean="0"/>
-              <a:t>01-Oct-18</a:t>
+              <a:t>11-Oct-18</a:t>
             </a:fld>
             <a:endParaRPr lang="en-US" dirty="0"/>
           </a:p>
@@ -9590,7 +9590,7 @@
           <a:p>
             <a:fld id="{CF502997-02C4-40DC-890F-331FB236C9EC}" type="datetime1">
               <a:rPr lang="en-US" smtClean="0"/>
-              <a:t>01-Oct-18</a:t>
+              <a:t>11-Oct-18</a:t>
             </a:fld>
             <a:endParaRPr lang="en-US" dirty="0"/>
           </a:p>
@@ -9750,7 +9750,11 @@
           </a:p>
           <a:p>
             <a:r>
-              <a:rPr lang="en-US" dirty="0"/>
+              <a:rPr lang="en-US" smtClean="0"/>
+              <a:t>1.</a:t>
+            </a:r>
+            <a:r>
+              <a:rPr lang="en-US" smtClean="0"/>
               <a:t>Acute </a:t>
             </a:r>
             <a:r>
@@ -9825,7 +9829,7 @@
           <a:p>
             <a:fld id="{C166C3E2-AF42-41B7-9EA8-348AF23A2FA2}" type="datetime1">
               <a:rPr lang="en-US" smtClean="0"/>
-              <a:t>01-Oct-18</a:t>
+              <a:t>11-Oct-18</a:t>
             </a:fld>
             <a:endParaRPr lang="en-US" dirty="0"/>
           </a:p>
